--- a/Colle_02_RdM_Cohesion/Colle_02_Passerelle_Traction/images/Figures.pptx
+++ b/Colle_02_RdM_Cohesion/Colle_02_Passerelle_Traction/images/Figures.pptx
@@ -314,7 +314,7 @@
           <a:p>
             <a:fld id="{AA309A6D-C09C-4548-B29A-6CF363A7E532}" type="datetimeFigureOut">
               <a:rPr lang="fr-FR" smtClean="0"/>
-              <a:t>09/10/2018</a:t>
+              <a:t>02/10/2019</a:t>
             </a:fld>
             <a:endParaRPr lang="fr-BE"/>
           </a:p>
@@ -479,7 +479,7 @@
           <a:p>
             <a:fld id="{AA309A6D-C09C-4548-B29A-6CF363A7E532}" type="datetimeFigureOut">
               <a:rPr lang="fr-FR" smtClean="0"/>
-              <a:t>09/10/2018</a:t>
+              <a:t>02/10/2019</a:t>
             </a:fld>
             <a:endParaRPr lang="fr-BE"/>
           </a:p>
@@ -654,7 +654,7 @@
           <a:p>
             <a:fld id="{AA309A6D-C09C-4548-B29A-6CF363A7E532}" type="datetimeFigureOut">
               <a:rPr lang="fr-FR" smtClean="0"/>
-              <a:t>09/10/2018</a:t>
+              <a:t>02/10/2019</a:t>
             </a:fld>
             <a:endParaRPr lang="fr-BE"/>
           </a:p>
@@ -819,7 +819,7 @@
           <a:p>
             <a:fld id="{AA309A6D-C09C-4548-B29A-6CF363A7E532}" type="datetimeFigureOut">
               <a:rPr lang="fr-FR" smtClean="0"/>
-              <a:t>09/10/2018</a:t>
+              <a:t>02/10/2019</a:t>
             </a:fld>
             <a:endParaRPr lang="fr-BE"/>
           </a:p>
@@ -1060,7 +1060,7 @@
           <a:p>
             <a:fld id="{AA309A6D-C09C-4548-B29A-6CF363A7E532}" type="datetimeFigureOut">
               <a:rPr lang="fr-FR" smtClean="0"/>
-              <a:t>09/10/2018</a:t>
+              <a:t>02/10/2019</a:t>
             </a:fld>
             <a:endParaRPr lang="fr-BE"/>
           </a:p>
@@ -1343,7 +1343,7 @@
           <a:p>
             <a:fld id="{AA309A6D-C09C-4548-B29A-6CF363A7E532}" type="datetimeFigureOut">
               <a:rPr lang="fr-FR" smtClean="0"/>
-              <a:t>09/10/2018</a:t>
+              <a:t>02/10/2019</a:t>
             </a:fld>
             <a:endParaRPr lang="fr-BE"/>
           </a:p>
@@ -1760,7 +1760,7 @@
           <a:p>
             <a:fld id="{AA309A6D-C09C-4548-B29A-6CF363A7E532}" type="datetimeFigureOut">
               <a:rPr lang="fr-FR" smtClean="0"/>
-              <a:t>09/10/2018</a:t>
+              <a:t>02/10/2019</a:t>
             </a:fld>
             <a:endParaRPr lang="fr-BE"/>
           </a:p>
@@ -1873,7 +1873,7 @@
           <a:p>
             <a:fld id="{AA309A6D-C09C-4548-B29A-6CF363A7E532}" type="datetimeFigureOut">
               <a:rPr lang="fr-FR" smtClean="0"/>
-              <a:t>09/10/2018</a:t>
+              <a:t>02/10/2019</a:t>
             </a:fld>
             <a:endParaRPr lang="fr-BE"/>
           </a:p>
@@ -1963,7 +1963,7 @@
           <a:p>
             <a:fld id="{AA309A6D-C09C-4548-B29A-6CF363A7E532}" type="datetimeFigureOut">
               <a:rPr lang="fr-FR" smtClean="0"/>
-              <a:t>09/10/2018</a:t>
+              <a:t>02/10/2019</a:t>
             </a:fld>
             <a:endParaRPr lang="fr-BE"/>
           </a:p>
@@ -2235,7 +2235,7 @@
           <a:p>
             <a:fld id="{AA309A6D-C09C-4548-B29A-6CF363A7E532}" type="datetimeFigureOut">
               <a:rPr lang="fr-FR" smtClean="0"/>
-              <a:t>09/10/2018</a:t>
+              <a:t>02/10/2019</a:t>
             </a:fld>
             <a:endParaRPr lang="fr-BE"/>
           </a:p>
@@ -2483,7 +2483,7 @@
           <a:p>
             <a:fld id="{AA309A6D-C09C-4548-B29A-6CF363A7E532}" type="datetimeFigureOut">
               <a:rPr lang="fr-FR" smtClean="0"/>
-              <a:t>09/10/2018</a:t>
+              <a:t>02/10/2019</a:t>
             </a:fld>
             <a:endParaRPr lang="fr-BE"/>
           </a:p>
@@ -2691,7 +2691,7 @@
           <a:p>
             <a:fld id="{AA309A6D-C09C-4548-B29A-6CF363A7E532}" type="datetimeFigureOut">
               <a:rPr lang="fr-FR" smtClean="0"/>
-              <a:t>09/10/2018</a:t>
+              <a:t>02/10/2019</a:t>
             </a:fld>
             <a:endParaRPr lang="fr-BE"/>
           </a:p>
@@ -3089,7 +3089,7 @@
         </p:blipFill>
         <p:spPr>
           <a:xfrm flipH="1">
-            <a:off x="2175981" y="-233223"/>
+            <a:off x="3699209" y="63492"/>
             <a:ext cx="2880320" cy="2160240"/>
           </a:xfrm>
           <a:prstGeom prst="rect">
@@ -3097,12 +3097,1733 @@
           </a:prstGeom>
         </p:spPr>
       </p:pic>
+      <p:sp>
+        <p:nvSpPr>
+          <p:cNvPr id="24" name="Rectangle 23">
+            <a:extLst>
+              <a:ext uri="{FF2B5EF4-FFF2-40B4-BE49-F238E27FC236}">
+                <a16:creationId xmlns:a16="http://schemas.microsoft.com/office/drawing/2014/main" id="{49BAA1EE-7064-4E08-ABC5-919A8D0A3BD0}"/>
+              </a:ext>
+            </a:extLst>
+          </p:cNvPr>
+          <p:cNvSpPr/>
+          <p:nvPr/>
+        </p:nvSpPr>
+        <p:spPr>
+          <a:xfrm>
+            <a:off x="2484580" y="3748667"/>
+            <a:ext cx="2447450" cy="288032"/>
+          </a:xfrm>
+          <a:prstGeom prst="rect">
+            <a:avLst/>
+          </a:prstGeom>
+          <a:solidFill>
+            <a:schemeClr val="accent4">
+              <a:lumMod val="20000"/>
+              <a:lumOff val="80000"/>
+            </a:schemeClr>
+          </a:solidFill>
+          <a:ln>
+            <a:noFill/>
+          </a:ln>
+        </p:spPr>
+        <p:style>
+          <a:lnRef idx="2">
+            <a:schemeClr val="accent1">
+              <a:shade val="50000"/>
+            </a:schemeClr>
+          </a:lnRef>
+          <a:fillRef idx="1">
+            <a:schemeClr val="accent1"/>
+          </a:fillRef>
+          <a:effectRef idx="0">
+            <a:schemeClr val="accent1"/>
+          </a:effectRef>
+          <a:fontRef idx="minor">
+            <a:schemeClr val="lt1"/>
+          </a:fontRef>
+        </p:style>
+        <p:txBody>
+          <a:bodyPr rtlCol="0" anchor="ctr"/>
+          <a:lstStyle/>
+          <a:p>
+            <a:pPr algn="ctr"/>
+            <a:endParaRPr lang="fr-FR"/>
+          </a:p>
+        </p:txBody>
+      </p:sp>
+      <p:cxnSp>
+        <p:nvCxnSpPr>
+          <p:cNvPr id="21" name="Connecteur droit 20">
+            <a:extLst>
+              <a:ext uri="{FF2B5EF4-FFF2-40B4-BE49-F238E27FC236}">
+                <a16:creationId xmlns:a16="http://schemas.microsoft.com/office/drawing/2014/main" id="{5305AA43-6180-400E-954E-AC13194639EA}"/>
+              </a:ext>
+            </a:extLst>
+          </p:cNvPr>
+          <p:cNvCxnSpPr>
+            <a:cxnSpLocks/>
+            <a:stCxn id="20" idx="5"/>
+            <a:endCxn id="15" idx="1"/>
+          </p:cNvCxnSpPr>
+          <p:nvPr/>
+        </p:nvCxnSpPr>
+        <p:spPr>
+          <a:xfrm flipH="1" flipV="1">
+            <a:off x="2381933" y="2267181"/>
+            <a:ext cx="1502248" cy="1869805"/>
+          </a:xfrm>
+          <a:prstGeom prst="line">
+            <a:avLst/>
+          </a:prstGeom>
+          <a:ln w="28575">
+            <a:solidFill>
+              <a:srgbClr val="C00000"/>
+            </a:solidFill>
+          </a:ln>
+        </p:spPr>
+        <p:style>
+          <a:lnRef idx="1">
+            <a:schemeClr val="accent1"/>
+          </a:lnRef>
+          <a:fillRef idx="0">
+            <a:schemeClr val="accent1"/>
+          </a:fillRef>
+          <a:effectRef idx="0">
+            <a:schemeClr val="accent1"/>
+          </a:effectRef>
+          <a:fontRef idx="minor">
+            <a:schemeClr val="tx1"/>
+          </a:fontRef>
+        </p:style>
+      </p:cxnSp>
+      <p:sp>
+        <p:nvSpPr>
+          <p:cNvPr id="13" name="Forme libre : forme 12">
+            <a:extLst>
+              <a:ext uri="{FF2B5EF4-FFF2-40B4-BE49-F238E27FC236}">
+                <a16:creationId xmlns:a16="http://schemas.microsoft.com/office/drawing/2014/main" id="{DB8132D9-4919-44CD-BD78-90AC3293EB90}"/>
+              </a:ext>
+            </a:extLst>
+          </p:cNvPr>
+          <p:cNvSpPr/>
+          <p:nvPr/>
+        </p:nvSpPr>
+        <p:spPr>
+          <a:xfrm>
+            <a:off x="2165716" y="4379764"/>
+            <a:ext cx="715617" cy="253235"/>
+          </a:xfrm>
+          <a:custGeom>
+            <a:avLst/>
+            <a:gdLst>
+              <a:gd name="connsiteX0" fmla="*/ 0 w 715617"/>
+              <a:gd name="connsiteY0" fmla="*/ 9940 h 253235"/>
+              <a:gd name="connsiteX1" fmla="*/ 119269 w 715617"/>
+              <a:gd name="connsiteY1" fmla="*/ 238540 h 253235"/>
+              <a:gd name="connsiteX2" fmla="*/ 347869 w 715617"/>
+              <a:gd name="connsiteY2" fmla="*/ 168966 h 253235"/>
+              <a:gd name="connsiteX3" fmla="*/ 586409 w 715617"/>
+              <a:gd name="connsiteY3" fmla="*/ 248479 h 253235"/>
+              <a:gd name="connsiteX4" fmla="*/ 715617 w 715617"/>
+              <a:gd name="connsiteY4" fmla="*/ 0 h 253235"/>
+              <a:gd name="connsiteX5" fmla="*/ 715617 w 715617"/>
+              <a:gd name="connsiteY5" fmla="*/ 0 h 253235"/>
+            </a:gdLst>
+            <a:ahLst/>
+            <a:cxnLst>
+              <a:cxn ang="0">
+                <a:pos x="connsiteX0" y="connsiteY0"/>
+              </a:cxn>
+              <a:cxn ang="0">
+                <a:pos x="connsiteX1" y="connsiteY1"/>
+              </a:cxn>
+              <a:cxn ang="0">
+                <a:pos x="connsiteX2" y="connsiteY2"/>
+              </a:cxn>
+              <a:cxn ang="0">
+                <a:pos x="connsiteX3" y="connsiteY3"/>
+              </a:cxn>
+              <a:cxn ang="0">
+                <a:pos x="connsiteX4" y="connsiteY4"/>
+              </a:cxn>
+              <a:cxn ang="0">
+                <a:pos x="connsiteX5" y="connsiteY5"/>
+              </a:cxn>
+            </a:cxnLst>
+            <a:rect l="l" t="t" r="r" b="b"/>
+            <a:pathLst>
+              <a:path w="715617" h="253235">
+                <a:moveTo>
+                  <a:pt x="0" y="9940"/>
+                </a:moveTo>
+                <a:cubicBezTo>
+                  <a:pt x="30645" y="110988"/>
+                  <a:pt x="61291" y="212036"/>
+                  <a:pt x="119269" y="238540"/>
+                </a:cubicBezTo>
+                <a:cubicBezTo>
+                  <a:pt x="177247" y="265044"/>
+                  <a:pt x="270012" y="167310"/>
+                  <a:pt x="347869" y="168966"/>
+                </a:cubicBezTo>
+                <a:cubicBezTo>
+                  <a:pt x="425726" y="170622"/>
+                  <a:pt x="525118" y="276640"/>
+                  <a:pt x="586409" y="248479"/>
+                </a:cubicBezTo>
+                <a:cubicBezTo>
+                  <a:pt x="647700" y="220318"/>
+                  <a:pt x="715617" y="0"/>
+                  <a:pt x="715617" y="0"/>
+                </a:cubicBezTo>
+                <a:lnTo>
+                  <a:pt x="715617" y="0"/>
+                </a:lnTo>
+              </a:path>
+            </a:pathLst>
+          </a:custGeom>
+          <a:solidFill>
+            <a:schemeClr val="bg1">
+              <a:lumMod val="85000"/>
+            </a:schemeClr>
+          </a:solidFill>
+          <a:ln w="12700">
+            <a:solidFill>
+              <a:schemeClr val="tx1"/>
+            </a:solidFill>
+          </a:ln>
+        </p:spPr>
+        <p:style>
+          <a:lnRef idx="2">
+            <a:schemeClr val="accent1">
+              <a:shade val="50000"/>
+            </a:schemeClr>
+          </a:lnRef>
+          <a:fillRef idx="1">
+            <a:schemeClr val="accent1"/>
+          </a:fillRef>
+          <a:effectRef idx="0">
+            <a:schemeClr val="accent1"/>
+          </a:effectRef>
+          <a:fontRef idx="minor">
+            <a:schemeClr val="lt1"/>
+          </a:fontRef>
+        </p:style>
+        <p:txBody>
+          <a:bodyPr rtlCol="0" anchor="ctr"/>
+          <a:lstStyle/>
+          <a:p>
+            <a:pPr algn="ctr"/>
+            <a:endParaRPr lang="fr-FR"/>
+          </a:p>
+        </p:txBody>
+      </p:sp>
+      <p:cxnSp>
+        <p:nvCxnSpPr>
+          <p:cNvPr id="7" name="Connecteur droit 6">
+            <a:extLst>
+              <a:ext uri="{FF2B5EF4-FFF2-40B4-BE49-F238E27FC236}">
+                <a16:creationId xmlns:a16="http://schemas.microsoft.com/office/drawing/2014/main" id="{221D188D-1ED7-4058-BD0C-7A12C76A6E85}"/>
+              </a:ext>
+            </a:extLst>
+          </p:cNvPr>
+          <p:cNvCxnSpPr/>
+          <p:nvPr/>
+        </p:nvCxnSpPr>
+        <p:spPr>
+          <a:xfrm>
+            <a:off x="2483768" y="2225001"/>
+            <a:ext cx="0" cy="2160240"/>
+          </a:xfrm>
+          <a:prstGeom prst="line">
+            <a:avLst/>
+          </a:prstGeom>
+          <a:ln w="28575">
+            <a:solidFill>
+              <a:schemeClr val="tx1"/>
+            </a:solidFill>
+          </a:ln>
+        </p:spPr>
+        <p:style>
+          <a:lnRef idx="1">
+            <a:schemeClr val="accent1"/>
+          </a:lnRef>
+          <a:fillRef idx="0">
+            <a:schemeClr val="accent1"/>
+          </a:fillRef>
+          <a:effectRef idx="0">
+            <a:schemeClr val="accent1"/>
+          </a:effectRef>
+          <a:fontRef idx="minor">
+            <a:schemeClr val="tx1"/>
+          </a:fontRef>
+        </p:style>
+      </p:cxnSp>
+      <p:cxnSp>
+        <p:nvCxnSpPr>
+          <p:cNvPr id="8" name="Connecteur droit 7">
+            <a:extLst>
+              <a:ext uri="{FF2B5EF4-FFF2-40B4-BE49-F238E27FC236}">
+                <a16:creationId xmlns:a16="http://schemas.microsoft.com/office/drawing/2014/main" id="{616A250A-662A-4AA7-A2B3-7BBF5EDF4D32}"/>
+              </a:ext>
+            </a:extLst>
+          </p:cNvPr>
+          <p:cNvCxnSpPr>
+            <a:cxnSpLocks/>
+          </p:cNvCxnSpPr>
+          <p:nvPr/>
+        </p:nvCxnSpPr>
+        <p:spPr>
+          <a:xfrm>
+            <a:off x="2051720" y="4385241"/>
+            <a:ext cx="864096" cy="0"/>
+          </a:xfrm>
+          <a:prstGeom prst="line">
+            <a:avLst/>
+          </a:prstGeom>
+          <a:ln w="28575">
+            <a:solidFill>
+              <a:schemeClr val="tx1"/>
+            </a:solidFill>
+          </a:ln>
+        </p:spPr>
+        <p:style>
+          <a:lnRef idx="1">
+            <a:schemeClr val="accent1"/>
+          </a:lnRef>
+          <a:fillRef idx="0">
+            <a:schemeClr val="accent1"/>
+          </a:fillRef>
+          <a:effectRef idx="0">
+            <a:schemeClr val="accent1"/>
+          </a:effectRef>
+          <a:fontRef idx="minor">
+            <a:schemeClr val="tx1"/>
+          </a:fontRef>
+        </p:style>
+      </p:cxnSp>
+      <p:sp>
+        <p:nvSpPr>
+          <p:cNvPr id="14" name="Ellipse 13">
+            <a:extLst>
+              <a:ext uri="{FF2B5EF4-FFF2-40B4-BE49-F238E27FC236}">
+                <a16:creationId xmlns:a16="http://schemas.microsoft.com/office/drawing/2014/main" id="{6DE112DC-444A-48F1-BA58-84D57198FB87}"/>
+              </a:ext>
+            </a:extLst>
+          </p:cNvPr>
+          <p:cNvSpPr/>
+          <p:nvPr/>
+        </p:nvSpPr>
+        <p:spPr>
+          <a:xfrm>
+            <a:off x="2339752" y="3891135"/>
+            <a:ext cx="288032" cy="288032"/>
+          </a:xfrm>
+          <a:prstGeom prst="ellipse">
+            <a:avLst/>
+          </a:prstGeom>
+          <a:solidFill>
+            <a:schemeClr val="bg1"/>
+          </a:solidFill>
+          <a:ln>
+            <a:solidFill>
+              <a:schemeClr val="tx1"/>
+            </a:solidFill>
+          </a:ln>
+        </p:spPr>
+        <p:style>
+          <a:lnRef idx="2">
+            <a:schemeClr val="accent1">
+              <a:shade val="50000"/>
+            </a:schemeClr>
+          </a:lnRef>
+          <a:fillRef idx="1">
+            <a:schemeClr val="accent1"/>
+          </a:fillRef>
+          <a:effectRef idx="0">
+            <a:schemeClr val="accent1"/>
+          </a:effectRef>
+          <a:fontRef idx="minor">
+            <a:schemeClr val="lt1"/>
+          </a:fontRef>
+        </p:style>
+        <p:txBody>
+          <a:bodyPr rtlCol="0" anchor="ctr"/>
+          <a:lstStyle/>
+          <a:p>
+            <a:pPr algn="ctr"/>
+            <a:endParaRPr lang="fr-FR">
+              <a:ln w="28575">
+                <a:solidFill>
+                  <a:schemeClr val="tx1"/>
+                </a:solidFill>
+              </a:ln>
+            </a:endParaRPr>
+          </a:p>
+        </p:txBody>
+      </p:sp>
+      <p:sp>
+        <p:nvSpPr>
+          <p:cNvPr id="15" name="Ellipse 14">
+            <a:extLst>
+              <a:ext uri="{FF2B5EF4-FFF2-40B4-BE49-F238E27FC236}">
+                <a16:creationId xmlns:a16="http://schemas.microsoft.com/office/drawing/2014/main" id="{07D5064B-1E0B-4EE9-B7E5-F093F0C1E402}"/>
+              </a:ext>
+            </a:extLst>
+          </p:cNvPr>
+          <p:cNvSpPr/>
+          <p:nvPr/>
+        </p:nvSpPr>
+        <p:spPr>
+          <a:xfrm>
+            <a:off x="2339752" y="2225000"/>
+            <a:ext cx="288032" cy="288032"/>
+          </a:xfrm>
+          <a:prstGeom prst="ellipse">
+            <a:avLst/>
+          </a:prstGeom>
+          <a:solidFill>
+            <a:schemeClr val="bg1"/>
+          </a:solidFill>
+          <a:ln>
+            <a:solidFill>
+              <a:schemeClr val="tx1"/>
+            </a:solidFill>
+          </a:ln>
+        </p:spPr>
+        <p:style>
+          <a:lnRef idx="2">
+            <a:schemeClr val="accent1">
+              <a:shade val="50000"/>
+            </a:schemeClr>
+          </a:lnRef>
+          <a:fillRef idx="1">
+            <a:schemeClr val="accent1"/>
+          </a:fillRef>
+          <a:effectRef idx="0">
+            <a:schemeClr val="accent1"/>
+          </a:effectRef>
+          <a:fontRef idx="minor">
+            <a:schemeClr val="lt1"/>
+          </a:fontRef>
+        </p:style>
+        <p:txBody>
+          <a:bodyPr rtlCol="0" anchor="ctr"/>
+          <a:lstStyle/>
+          <a:p>
+            <a:pPr algn="ctr"/>
+            <a:endParaRPr lang="fr-FR">
+              <a:ln w="28575">
+                <a:solidFill>
+                  <a:schemeClr val="tx1"/>
+                </a:solidFill>
+              </a:ln>
+            </a:endParaRPr>
+          </a:p>
+        </p:txBody>
+      </p:sp>
+      <p:cxnSp>
+        <p:nvCxnSpPr>
+          <p:cNvPr id="16" name="Connecteur droit 15">
+            <a:extLst>
+              <a:ext uri="{FF2B5EF4-FFF2-40B4-BE49-F238E27FC236}">
+                <a16:creationId xmlns:a16="http://schemas.microsoft.com/office/drawing/2014/main" id="{75848090-42AD-4F8D-A679-40E9761AE535}"/>
+              </a:ext>
+            </a:extLst>
+          </p:cNvPr>
+          <p:cNvCxnSpPr>
+            <a:cxnSpLocks/>
+            <a:endCxn id="14" idx="6"/>
+          </p:cNvCxnSpPr>
+          <p:nvPr/>
+        </p:nvCxnSpPr>
+        <p:spPr>
+          <a:xfrm flipH="1">
+            <a:off x="2627784" y="4035151"/>
+            <a:ext cx="2304256" cy="0"/>
+          </a:xfrm>
+          <a:prstGeom prst="line">
+            <a:avLst/>
+          </a:prstGeom>
+          <a:ln w="28575">
+            <a:solidFill>
+              <a:srgbClr val="7030A0"/>
+            </a:solidFill>
+          </a:ln>
+        </p:spPr>
+        <p:style>
+          <a:lnRef idx="1">
+            <a:schemeClr val="accent1"/>
+          </a:lnRef>
+          <a:fillRef idx="0">
+            <a:schemeClr val="accent1"/>
+          </a:fillRef>
+          <a:effectRef idx="0">
+            <a:schemeClr val="accent1"/>
+          </a:effectRef>
+          <a:fontRef idx="minor">
+            <a:schemeClr val="tx1"/>
+          </a:fontRef>
+        </p:style>
+      </p:cxnSp>
+      <p:sp>
+        <p:nvSpPr>
+          <p:cNvPr id="20" name="Ellipse 19">
+            <a:extLst>
+              <a:ext uri="{FF2B5EF4-FFF2-40B4-BE49-F238E27FC236}">
+                <a16:creationId xmlns:a16="http://schemas.microsoft.com/office/drawing/2014/main" id="{B0A917FC-8A0D-49E1-B632-ACDBAAD90B86}"/>
+              </a:ext>
+            </a:extLst>
+          </p:cNvPr>
+          <p:cNvSpPr/>
+          <p:nvPr/>
+        </p:nvSpPr>
+        <p:spPr>
+          <a:xfrm>
+            <a:off x="3638330" y="3891135"/>
+            <a:ext cx="288032" cy="288032"/>
+          </a:xfrm>
+          <a:prstGeom prst="ellipse">
+            <a:avLst/>
+          </a:prstGeom>
+          <a:solidFill>
+            <a:schemeClr val="bg1"/>
+          </a:solidFill>
+          <a:ln>
+            <a:solidFill>
+              <a:srgbClr val="7030A0"/>
+            </a:solidFill>
+          </a:ln>
+        </p:spPr>
+        <p:style>
+          <a:lnRef idx="2">
+            <a:schemeClr val="accent1">
+              <a:shade val="50000"/>
+            </a:schemeClr>
+          </a:lnRef>
+          <a:fillRef idx="1">
+            <a:schemeClr val="accent1"/>
+          </a:fillRef>
+          <a:effectRef idx="0">
+            <a:schemeClr val="accent1"/>
+          </a:effectRef>
+          <a:fontRef idx="minor">
+            <a:schemeClr val="lt1"/>
+          </a:fontRef>
+        </p:style>
+        <p:txBody>
+          <a:bodyPr rtlCol="0" anchor="ctr"/>
+          <a:lstStyle/>
+          <a:p>
+            <a:pPr algn="ctr"/>
+            <a:endParaRPr lang="fr-FR">
+              <a:ln w="28575">
+                <a:solidFill>
+                  <a:schemeClr val="tx1"/>
+                </a:solidFill>
+              </a:ln>
+            </a:endParaRPr>
+          </a:p>
+        </p:txBody>
+      </p:sp>
+      <p:cxnSp>
+        <p:nvCxnSpPr>
+          <p:cNvPr id="25" name="Connecteur droit 24">
+            <a:extLst>
+              <a:ext uri="{FF2B5EF4-FFF2-40B4-BE49-F238E27FC236}">
+                <a16:creationId xmlns:a16="http://schemas.microsoft.com/office/drawing/2014/main" id="{27147306-8FF7-4029-AB3A-8F36FBCD6297}"/>
+              </a:ext>
+            </a:extLst>
+          </p:cNvPr>
+          <p:cNvCxnSpPr>
+            <a:cxnSpLocks/>
+          </p:cNvCxnSpPr>
+          <p:nvPr/>
+        </p:nvCxnSpPr>
+        <p:spPr>
+          <a:xfrm flipH="1">
+            <a:off x="2486202" y="3745297"/>
+            <a:ext cx="2445828" cy="0"/>
+          </a:xfrm>
+          <a:prstGeom prst="line">
+            <a:avLst/>
+          </a:prstGeom>
+          <a:ln w="12700">
+            <a:solidFill>
+              <a:srgbClr val="7030A0"/>
+            </a:solidFill>
+          </a:ln>
+        </p:spPr>
+        <p:style>
+          <a:lnRef idx="1">
+            <a:schemeClr val="accent1"/>
+          </a:lnRef>
+          <a:fillRef idx="0">
+            <a:schemeClr val="accent1"/>
+          </a:fillRef>
+          <a:effectRef idx="0">
+            <a:schemeClr val="accent1"/>
+          </a:effectRef>
+          <a:fontRef idx="minor">
+            <a:schemeClr val="tx1"/>
+          </a:fontRef>
+        </p:style>
+      </p:cxnSp>
+      <p:cxnSp>
+        <p:nvCxnSpPr>
+          <p:cNvPr id="27" name="Connecteur droit 26">
+            <a:extLst>
+              <a:ext uri="{FF2B5EF4-FFF2-40B4-BE49-F238E27FC236}">
+                <a16:creationId xmlns:a16="http://schemas.microsoft.com/office/drawing/2014/main" id="{D31E4876-D586-40DB-837F-8195AF25AF13}"/>
+              </a:ext>
+            </a:extLst>
+          </p:cNvPr>
+          <p:cNvCxnSpPr>
+            <a:cxnSpLocks/>
+          </p:cNvCxnSpPr>
+          <p:nvPr/>
+        </p:nvCxnSpPr>
+        <p:spPr>
+          <a:xfrm>
+            <a:off x="4932030" y="3746208"/>
+            <a:ext cx="0" cy="289854"/>
+          </a:xfrm>
+          <a:prstGeom prst="line">
+            <a:avLst/>
+          </a:prstGeom>
+          <a:ln w="12700">
+            <a:solidFill>
+              <a:srgbClr val="7030A0"/>
+            </a:solidFill>
+            <a:tailEnd type="stealth" w="med" len="lg"/>
+          </a:ln>
+        </p:spPr>
+        <p:style>
+          <a:lnRef idx="1">
+            <a:schemeClr val="accent1"/>
+          </a:lnRef>
+          <a:fillRef idx="0">
+            <a:schemeClr val="accent1"/>
+          </a:fillRef>
+          <a:effectRef idx="0">
+            <a:schemeClr val="accent1"/>
+          </a:effectRef>
+          <a:fontRef idx="minor">
+            <a:schemeClr val="tx1"/>
+          </a:fontRef>
+        </p:style>
+      </p:cxnSp>
+      <p:cxnSp>
+        <p:nvCxnSpPr>
+          <p:cNvPr id="30" name="Connecteur droit 29">
+            <a:extLst>
+              <a:ext uri="{FF2B5EF4-FFF2-40B4-BE49-F238E27FC236}">
+                <a16:creationId xmlns:a16="http://schemas.microsoft.com/office/drawing/2014/main" id="{E7869810-D0B0-4087-87E4-70039B3442E3}"/>
+              </a:ext>
+            </a:extLst>
+          </p:cNvPr>
+          <p:cNvCxnSpPr>
+            <a:cxnSpLocks/>
+          </p:cNvCxnSpPr>
+          <p:nvPr/>
+        </p:nvCxnSpPr>
+        <p:spPr>
+          <a:xfrm>
+            <a:off x="2483768" y="3746208"/>
+            <a:ext cx="0" cy="289854"/>
+          </a:xfrm>
+          <a:prstGeom prst="line">
+            <a:avLst/>
+          </a:prstGeom>
+          <a:ln w="12700">
+            <a:solidFill>
+              <a:srgbClr val="7030A0"/>
+            </a:solidFill>
+            <a:tailEnd type="stealth" w="med" len="lg"/>
+          </a:ln>
+        </p:spPr>
+        <p:style>
+          <a:lnRef idx="1">
+            <a:schemeClr val="accent1"/>
+          </a:lnRef>
+          <a:fillRef idx="0">
+            <a:schemeClr val="accent1"/>
+          </a:fillRef>
+          <a:effectRef idx="0">
+            <a:schemeClr val="accent1"/>
+          </a:effectRef>
+          <a:fontRef idx="minor">
+            <a:schemeClr val="tx1"/>
+          </a:fontRef>
+        </p:style>
+      </p:cxnSp>
+      <p:cxnSp>
+        <p:nvCxnSpPr>
+          <p:cNvPr id="31" name="Connecteur droit 30">
+            <a:extLst>
+              <a:ext uri="{FF2B5EF4-FFF2-40B4-BE49-F238E27FC236}">
+                <a16:creationId xmlns:a16="http://schemas.microsoft.com/office/drawing/2014/main" id="{7646DE1C-AFD1-43B1-B1D0-15CA1FAD7829}"/>
+              </a:ext>
+            </a:extLst>
+          </p:cNvPr>
+          <p:cNvCxnSpPr>
+            <a:cxnSpLocks/>
+          </p:cNvCxnSpPr>
+          <p:nvPr/>
+        </p:nvCxnSpPr>
+        <p:spPr>
+          <a:xfrm>
+            <a:off x="2687790" y="3746208"/>
+            <a:ext cx="0" cy="289854"/>
+          </a:xfrm>
+          <a:prstGeom prst="line">
+            <a:avLst/>
+          </a:prstGeom>
+          <a:ln w="12700">
+            <a:solidFill>
+              <a:srgbClr val="7030A0"/>
+            </a:solidFill>
+            <a:tailEnd type="stealth" w="med" len="lg"/>
+          </a:ln>
+        </p:spPr>
+        <p:style>
+          <a:lnRef idx="1">
+            <a:schemeClr val="accent1"/>
+          </a:lnRef>
+          <a:fillRef idx="0">
+            <a:schemeClr val="accent1"/>
+          </a:fillRef>
+          <a:effectRef idx="0">
+            <a:schemeClr val="accent1"/>
+          </a:effectRef>
+          <a:fontRef idx="minor">
+            <a:schemeClr val="tx1"/>
+          </a:fontRef>
+        </p:style>
+      </p:cxnSp>
+      <p:cxnSp>
+        <p:nvCxnSpPr>
+          <p:cNvPr id="32" name="Connecteur droit 31">
+            <a:extLst>
+              <a:ext uri="{FF2B5EF4-FFF2-40B4-BE49-F238E27FC236}">
+                <a16:creationId xmlns:a16="http://schemas.microsoft.com/office/drawing/2014/main" id="{4D0424AA-0F6D-465F-A7DC-F1C086E4749C}"/>
+              </a:ext>
+            </a:extLst>
+          </p:cNvPr>
+          <p:cNvCxnSpPr>
+            <a:cxnSpLocks/>
+          </p:cNvCxnSpPr>
+          <p:nvPr/>
+        </p:nvCxnSpPr>
+        <p:spPr>
+          <a:xfrm>
+            <a:off x="2891812" y="3746208"/>
+            <a:ext cx="0" cy="289854"/>
+          </a:xfrm>
+          <a:prstGeom prst="line">
+            <a:avLst/>
+          </a:prstGeom>
+          <a:ln w="12700">
+            <a:solidFill>
+              <a:srgbClr val="7030A0"/>
+            </a:solidFill>
+            <a:tailEnd type="stealth" w="med" len="lg"/>
+          </a:ln>
+        </p:spPr>
+        <p:style>
+          <a:lnRef idx="1">
+            <a:schemeClr val="accent1"/>
+          </a:lnRef>
+          <a:fillRef idx="0">
+            <a:schemeClr val="accent1"/>
+          </a:fillRef>
+          <a:effectRef idx="0">
+            <a:schemeClr val="accent1"/>
+          </a:effectRef>
+          <a:fontRef idx="minor">
+            <a:schemeClr val="tx1"/>
+          </a:fontRef>
+        </p:style>
+      </p:cxnSp>
+      <p:cxnSp>
+        <p:nvCxnSpPr>
+          <p:cNvPr id="33" name="Connecteur droit 32">
+            <a:extLst>
+              <a:ext uri="{FF2B5EF4-FFF2-40B4-BE49-F238E27FC236}">
+                <a16:creationId xmlns:a16="http://schemas.microsoft.com/office/drawing/2014/main" id="{B8C47318-ED44-44A4-BE7A-B54402986E5D}"/>
+              </a:ext>
+            </a:extLst>
+          </p:cNvPr>
+          <p:cNvCxnSpPr>
+            <a:cxnSpLocks/>
+          </p:cNvCxnSpPr>
+          <p:nvPr/>
+        </p:nvCxnSpPr>
+        <p:spPr>
+          <a:xfrm>
+            <a:off x="3095834" y="3746208"/>
+            <a:ext cx="0" cy="289854"/>
+          </a:xfrm>
+          <a:prstGeom prst="line">
+            <a:avLst/>
+          </a:prstGeom>
+          <a:ln w="12700">
+            <a:solidFill>
+              <a:srgbClr val="7030A0"/>
+            </a:solidFill>
+            <a:tailEnd type="stealth" w="med" len="lg"/>
+          </a:ln>
+        </p:spPr>
+        <p:style>
+          <a:lnRef idx="1">
+            <a:schemeClr val="accent1"/>
+          </a:lnRef>
+          <a:fillRef idx="0">
+            <a:schemeClr val="accent1"/>
+          </a:fillRef>
+          <a:effectRef idx="0">
+            <a:schemeClr val="accent1"/>
+          </a:effectRef>
+          <a:fontRef idx="minor">
+            <a:schemeClr val="tx1"/>
+          </a:fontRef>
+        </p:style>
+      </p:cxnSp>
+      <p:cxnSp>
+        <p:nvCxnSpPr>
+          <p:cNvPr id="34" name="Connecteur droit 33">
+            <a:extLst>
+              <a:ext uri="{FF2B5EF4-FFF2-40B4-BE49-F238E27FC236}">
+                <a16:creationId xmlns:a16="http://schemas.microsoft.com/office/drawing/2014/main" id="{BFC40B82-501E-428F-B5C5-46AEEA745526}"/>
+              </a:ext>
+            </a:extLst>
+          </p:cNvPr>
+          <p:cNvCxnSpPr>
+            <a:cxnSpLocks/>
+          </p:cNvCxnSpPr>
+          <p:nvPr/>
+        </p:nvCxnSpPr>
+        <p:spPr>
+          <a:xfrm>
+            <a:off x="3299856" y="3746208"/>
+            <a:ext cx="0" cy="289854"/>
+          </a:xfrm>
+          <a:prstGeom prst="line">
+            <a:avLst/>
+          </a:prstGeom>
+          <a:ln w="12700">
+            <a:solidFill>
+              <a:srgbClr val="7030A0"/>
+            </a:solidFill>
+            <a:tailEnd type="stealth" w="med" len="lg"/>
+          </a:ln>
+        </p:spPr>
+        <p:style>
+          <a:lnRef idx="1">
+            <a:schemeClr val="accent1"/>
+          </a:lnRef>
+          <a:fillRef idx="0">
+            <a:schemeClr val="accent1"/>
+          </a:fillRef>
+          <a:effectRef idx="0">
+            <a:schemeClr val="accent1"/>
+          </a:effectRef>
+          <a:fontRef idx="minor">
+            <a:schemeClr val="tx1"/>
+          </a:fontRef>
+        </p:style>
+      </p:cxnSp>
+      <p:cxnSp>
+        <p:nvCxnSpPr>
+          <p:cNvPr id="35" name="Connecteur droit 34">
+            <a:extLst>
+              <a:ext uri="{FF2B5EF4-FFF2-40B4-BE49-F238E27FC236}">
+                <a16:creationId xmlns:a16="http://schemas.microsoft.com/office/drawing/2014/main" id="{CFAEC61E-1B8A-40DC-98F2-51D48D78B340}"/>
+              </a:ext>
+            </a:extLst>
+          </p:cNvPr>
+          <p:cNvCxnSpPr>
+            <a:cxnSpLocks/>
+          </p:cNvCxnSpPr>
+          <p:nvPr/>
+        </p:nvCxnSpPr>
+        <p:spPr>
+          <a:xfrm>
+            <a:off x="3503878" y="3746208"/>
+            <a:ext cx="0" cy="289854"/>
+          </a:xfrm>
+          <a:prstGeom prst="line">
+            <a:avLst/>
+          </a:prstGeom>
+          <a:ln w="12700">
+            <a:solidFill>
+              <a:srgbClr val="7030A0"/>
+            </a:solidFill>
+            <a:tailEnd type="stealth" w="med" len="lg"/>
+          </a:ln>
+        </p:spPr>
+        <p:style>
+          <a:lnRef idx="1">
+            <a:schemeClr val="accent1"/>
+          </a:lnRef>
+          <a:fillRef idx="0">
+            <a:schemeClr val="accent1"/>
+          </a:fillRef>
+          <a:effectRef idx="0">
+            <a:schemeClr val="accent1"/>
+          </a:effectRef>
+          <a:fontRef idx="minor">
+            <a:schemeClr val="tx1"/>
+          </a:fontRef>
+        </p:style>
+      </p:cxnSp>
+      <p:cxnSp>
+        <p:nvCxnSpPr>
+          <p:cNvPr id="36" name="Connecteur droit 35">
+            <a:extLst>
+              <a:ext uri="{FF2B5EF4-FFF2-40B4-BE49-F238E27FC236}">
+                <a16:creationId xmlns:a16="http://schemas.microsoft.com/office/drawing/2014/main" id="{38737942-B264-424C-9084-C3E660C78434}"/>
+              </a:ext>
+            </a:extLst>
+          </p:cNvPr>
+          <p:cNvCxnSpPr>
+            <a:cxnSpLocks/>
+          </p:cNvCxnSpPr>
+          <p:nvPr/>
+        </p:nvCxnSpPr>
+        <p:spPr>
+          <a:xfrm>
+            <a:off x="3707900" y="3746208"/>
+            <a:ext cx="0" cy="289854"/>
+          </a:xfrm>
+          <a:prstGeom prst="line">
+            <a:avLst/>
+          </a:prstGeom>
+          <a:ln w="12700">
+            <a:solidFill>
+              <a:srgbClr val="7030A0"/>
+            </a:solidFill>
+            <a:tailEnd type="stealth" w="med" len="lg"/>
+          </a:ln>
+        </p:spPr>
+        <p:style>
+          <a:lnRef idx="1">
+            <a:schemeClr val="accent1"/>
+          </a:lnRef>
+          <a:fillRef idx="0">
+            <a:schemeClr val="accent1"/>
+          </a:fillRef>
+          <a:effectRef idx="0">
+            <a:schemeClr val="accent1"/>
+          </a:effectRef>
+          <a:fontRef idx="minor">
+            <a:schemeClr val="tx1"/>
+          </a:fontRef>
+        </p:style>
+      </p:cxnSp>
+      <p:cxnSp>
+        <p:nvCxnSpPr>
+          <p:cNvPr id="37" name="Connecteur droit 36">
+            <a:extLst>
+              <a:ext uri="{FF2B5EF4-FFF2-40B4-BE49-F238E27FC236}">
+                <a16:creationId xmlns:a16="http://schemas.microsoft.com/office/drawing/2014/main" id="{FDF0CFBD-856B-49F3-A761-ADA3D0068741}"/>
+              </a:ext>
+            </a:extLst>
+          </p:cNvPr>
+          <p:cNvCxnSpPr>
+            <a:cxnSpLocks/>
+          </p:cNvCxnSpPr>
+          <p:nvPr/>
+        </p:nvCxnSpPr>
+        <p:spPr>
+          <a:xfrm>
+            <a:off x="3911922" y="3746208"/>
+            <a:ext cx="0" cy="289854"/>
+          </a:xfrm>
+          <a:prstGeom prst="line">
+            <a:avLst/>
+          </a:prstGeom>
+          <a:ln w="12700">
+            <a:solidFill>
+              <a:srgbClr val="7030A0"/>
+            </a:solidFill>
+            <a:tailEnd type="stealth" w="med" len="lg"/>
+          </a:ln>
+        </p:spPr>
+        <p:style>
+          <a:lnRef idx="1">
+            <a:schemeClr val="accent1"/>
+          </a:lnRef>
+          <a:fillRef idx="0">
+            <a:schemeClr val="accent1"/>
+          </a:fillRef>
+          <a:effectRef idx="0">
+            <a:schemeClr val="accent1"/>
+          </a:effectRef>
+          <a:fontRef idx="minor">
+            <a:schemeClr val="tx1"/>
+          </a:fontRef>
+        </p:style>
+      </p:cxnSp>
+      <p:cxnSp>
+        <p:nvCxnSpPr>
+          <p:cNvPr id="38" name="Connecteur droit 37">
+            <a:extLst>
+              <a:ext uri="{FF2B5EF4-FFF2-40B4-BE49-F238E27FC236}">
+                <a16:creationId xmlns:a16="http://schemas.microsoft.com/office/drawing/2014/main" id="{A5A80F7C-B6EA-457D-90F5-E885061B5D17}"/>
+              </a:ext>
+            </a:extLst>
+          </p:cNvPr>
+          <p:cNvCxnSpPr>
+            <a:cxnSpLocks/>
+          </p:cNvCxnSpPr>
+          <p:nvPr/>
+        </p:nvCxnSpPr>
+        <p:spPr>
+          <a:xfrm>
+            <a:off x="4115944" y="3746208"/>
+            <a:ext cx="0" cy="289854"/>
+          </a:xfrm>
+          <a:prstGeom prst="line">
+            <a:avLst/>
+          </a:prstGeom>
+          <a:ln w="12700">
+            <a:solidFill>
+              <a:srgbClr val="7030A0"/>
+            </a:solidFill>
+            <a:tailEnd type="stealth" w="med" len="lg"/>
+          </a:ln>
+        </p:spPr>
+        <p:style>
+          <a:lnRef idx="1">
+            <a:schemeClr val="accent1"/>
+          </a:lnRef>
+          <a:fillRef idx="0">
+            <a:schemeClr val="accent1"/>
+          </a:fillRef>
+          <a:effectRef idx="0">
+            <a:schemeClr val="accent1"/>
+          </a:effectRef>
+          <a:fontRef idx="minor">
+            <a:schemeClr val="tx1"/>
+          </a:fontRef>
+        </p:style>
+      </p:cxnSp>
+      <p:cxnSp>
+        <p:nvCxnSpPr>
+          <p:cNvPr id="39" name="Connecteur droit 38">
+            <a:extLst>
+              <a:ext uri="{FF2B5EF4-FFF2-40B4-BE49-F238E27FC236}">
+                <a16:creationId xmlns:a16="http://schemas.microsoft.com/office/drawing/2014/main" id="{F9105DD1-D617-4A0B-9C21-11C314243DB2}"/>
+              </a:ext>
+            </a:extLst>
+          </p:cNvPr>
+          <p:cNvCxnSpPr>
+            <a:cxnSpLocks/>
+          </p:cNvCxnSpPr>
+          <p:nvPr/>
+        </p:nvCxnSpPr>
+        <p:spPr>
+          <a:xfrm>
+            <a:off x="4319966" y="3746208"/>
+            <a:ext cx="0" cy="289854"/>
+          </a:xfrm>
+          <a:prstGeom prst="line">
+            <a:avLst/>
+          </a:prstGeom>
+          <a:ln w="12700">
+            <a:solidFill>
+              <a:srgbClr val="7030A0"/>
+            </a:solidFill>
+            <a:tailEnd type="stealth" w="med" len="lg"/>
+          </a:ln>
+        </p:spPr>
+        <p:style>
+          <a:lnRef idx="1">
+            <a:schemeClr val="accent1"/>
+          </a:lnRef>
+          <a:fillRef idx="0">
+            <a:schemeClr val="accent1"/>
+          </a:fillRef>
+          <a:effectRef idx="0">
+            <a:schemeClr val="accent1"/>
+          </a:effectRef>
+          <a:fontRef idx="minor">
+            <a:schemeClr val="tx1"/>
+          </a:fontRef>
+        </p:style>
+      </p:cxnSp>
+      <p:cxnSp>
+        <p:nvCxnSpPr>
+          <p:cNvPr id="40" name="Connecteur droit 39">
+            <a:extLst>
+              <a:ext uri="{FF2B5EF4-FFF2-40B4-BE49-F238E27FC236}">
+                <a16:creationId xmlns:a16="http://schemas.microsoft.com/office/drawing/2014/main" id="{C14028FA-239A-4920-BDFB-B5D79A413174}"/>
+              </a:ext>
+            </a:extLst>
+          </p:cNvPr>
+          <p:cNvCxnSpPr>
+            <a:cxnSpLocks/>
+          </p:cNvCxnSpPr>
+          <p:nvPr/>
+        </p:nvCxnSpPr>
+        <p:spPr>
+          <a:xfrm>
+            <a:off x="4523988" y="3746208"/>
+            <a:ext cx="0" cy="289854"/>
+          </a:xfrm>
+          <a:prstGeom prst="line">
+            <a:avLst/>
+          </a:prstGeom>
+          <a:ln w="12700">
+            <a:solidFill>
+              <a:srgbClr val="7030A0"/>
+            </a:solidFill>
+            <a:tailEnd type="stealth" w="med" len="lg"/>
+          </a:ln>
+        </p:spPr>
+        <p:style>
+          <a:lnRef idx="1">
+            <a:schemeClr val="accent1"/>
+          </a:lnRef>
+          <a:fillRef idx="0">
+            <a:schemeClr val="accent1"/>
+          </a:fillRef>
+          <a:effectRef idx="0">
+            <a:schemeClr val="accent1"/>
+          </a:effectRef>
+          <a:fontRef idx="minor">
+            <a:schemeClr val="tx1"/>
+          </a:fontRef>
+        </p:style>
+      </p:cxnSp>
+      <p:cxnSp>
+        <p:nvCxnSpPr>
+          <p:cNvPr id="41" name="Connecteur droit 40">
+            <a:extLst>
+              <a:ext uri="{FF2B5EF4-FFF2-40B4-BE49-F238E27FC236}">
+                <a16:creationId xmlns:a16="http://schemas.microsoft.com/office/drawing/2014/main" id="{0759F1CD-362D-40F6-A65D-6A2BE1F6B2C8}"/>
+              </a:ext>
+            </a:extLst>
+          </p:cNvPr>
+          <p:cNvCxnSpPr>
+            <a:cxnSpLocks/>
+          </p:cNvCxnSpPr>
+          <p:nvPr/>
+        </p:nvCxnSpPr>
+        <p:spPr>
+          <a:xfrm>
+            <a:off x="4728010" y="3746208"/>
+            <a:ext cx="0" cy="289854"/>
+          </a:xfrm>
+          <a:prstGeom prst="line">
+            <a:avLst/>
+          </a:prstGeom>
+          <a:ln w="12700">
+            <a:solidFill>
+              <a:srgbClr val="7030A0"/>
+            </a:solidFill>
+            <a:tailEnd type="stealth" w="med" len="lg"/>
+          </a:ln>
+        </p:spPr>
+        <p:style>
+          <a:lnRef idx="1">
+            <a:schemeClr val="accent1"/>
+          </a:lnRef>
+          <a:fillRef idx="0">
+            <a:schemeClr val="accent1"/>
+          </a:fillRef>
+          <a:effectRef idx="0">
+            <a:schemeClr val="accent1"/>
+          </a:effectRef>
+          <a:fontRef idx="minor">
+            <a:schemeClr val="tx1"/>
+          </a:fontRef>
+        </p:style>
+      </p:cxnSp>
+      <mc:AlternateContent xmlns:mc="http://schemas.openxmlformats.org/markup-compatibility/2006">
+        <mc:Choice xmlns:a14="http://schemas.microsoft.com/office/drawing/2010/main" Requires="a14">
+          <p:sp>
+            <p:nvSpPr>
+              <p:cNvPr id="42" name="ZoneTexte 41">
+                <a:extLst>
+                  <a:ext uri="{FF2B5EF4-FFF2-40B4-BE49-F238E27FC236}">
+                    <a16:creationId xmlns:a16="http://schemas.microsoft.com/office/drawing/2014/main" id="{71373DDE-05E1-48E4-8635-B709E8150BA8}"/>
+                  </a:ext>
+                </a:extLst>
+              </p:cNvPr>
+              <p:cNvSpPr txBox="1"/>
+              <p:nvPr/>
+            </p:nvSpPr>
+            <p:spPr>
+              <a:xfrm>
+                <a:off x="2134634" y="3896755"/>
+                <a:ext cx="155619" cy="215444"/>
+              </a:xfrm>
+              <a:prstGeom prst="rect">
+                <a:avLst/>
+              </a:prstGeom>
+              <a:noFill/>
+            </p:spPr>
+            <p:txBody>
+              <a:bodyPr wrap="none" lIns="0" tIns="0" rIns="0" bIns="0" rtlCol="0">
+                <a:spAutoFit/>
+              </a:bodyPr>
+              <a:lstStyle/>
+              <a:p>
+                <a:pPr/>
+                <a14:m>
+                  <m:oMathPara xmlns:m="http://schemas.openxmlformats.org/officeDocument/2006/math">
+                    <m:oMathParaPr>
+                      <m:jc m:val="centerGroup"/>
+                    </m:oMathParaPr>
+                    <m:oMath xmlns:m="http://schemas.openxmlformats.org/officeDocument/2006/math">
+                      <m:r>
+                        <a:rPr lang="fr-FR" sz="1400" b="0" i="1" smtClean="0">
+                          <a:latin typeface="Cambria Math" panose="02040503050406030204" pitchFamily="18" charset="0"/>
+                        </a:rPr>
+                        <m:t>𝐴</m:t>
+                      </m:r>
+                    </m:oMath>
+                  </m:oMathPara>
+                </a14:m>
+                <a:endParaRPr lang="fr-FR" sz="1400" dirty="0"/>
+              </a:p>
+            </p:txBody>
+          </p:sp>
+        </mc:Choice>
+        <mc:Fallback>
+          <p:sp>
+            <p:nvSpPr>
+              <p:cNvPr id="42" name="ZoneTexte 41">
+                <a:extLst>
+                  <a:ext uri="{FF2B5EF4-FFF2-40B4-BE49-F238E27FC236}">
+                    <a16:creationId xmlns:a16="http://schemas.microsoft.com/office/drawing/2014/main" id="{71373DDE-05E1-48E4-8635-B709E8150BA8}"/>
+                  </a:ext>
+                </a:extLst>
+              </p:cNvPr>
+              <p:cNvSpPr txBox="1">
+                <a:spLocks noRot="1" noChangeAspect="1" noMove="1" noResize="1" noEditPoints="1" noAdjustHandles="1" noChangeArrowheads="1" noChangeShapeType="1" noTextEdit="1"/>
+              </p:cNvSpPr>
+              <p:nvPr/>
+            </p:nvSpPr>
+            <p:spPr>
+              <a:xfrm>
+                <a:off x="2134634" y="3896755"/>
+                <a:ext cx="155619" cy="215444"/>
+              </a:xfrm>
+              <a:prstGeom prst="rect">
+                <a:avLst/>
+              </a:prstGeom>
+              <a:blipFill>
+                <a:blip r:embed="rId3"/>
+                <a:stretch>
+                  <a:fillRect l="-26923" r="-19231" b="-2778"/>
+                </a:stretch>
+              </a:blipFill>
+            </p:spPr>
+            <p:txBody>
+              <a:bodyPr/>
+              <a:lstStyle/>
+              <a:p>
+                <a:r>
+                  <a:rPr lang="fr-FR">
+                    <a:noFill/>
+                  </a:rPr>
+                  <a:t> </a:t>
+                </a:r>
+              </a:p>
+            </p:txBody>
+          </p:sp>
+        </mc:Fallback>
+      </mc:AlternateContent>
+      <mc:AlternateContent xmlns:mc="http://schemas.openxmlformats.org/markup-compatibility/2006">
+        <mc:Choice xmlns:a14="http://schemas.microsoft.com/office/drawing/2010/main" Requires="a14">
+          <p:sp>
+            <p:nvSpPr>
+              <p:cNvPr id="43" name="ZoneTexte 42">
+                <a:extLst>
+                  <a:ext uri="{FF2B5EF4-FFF2-40B4-BE49-F238E27FC236}">
+                    <a16:creationId xmlns:a16="http://schemas.microsoft.com/office/drawing/2014/main" id="{82252D85-4F75-4D5C-8362-ED82F1AEE4E0}"/>
+                  </a:ext>
+                </a:extLst>
+              </p:cNvPr>
+              <p:cNvSpPr txBox="1"/>
+              <p:nvPr/>
+            </p:nvSpPr>
+            <p:spPr>
+              <a:xfrm>
+                <a:off x="3699209" y="4250080"/>
+                <a:ext cx="163506" cy="215444"/>
+              </a:xfrm>
+              <a:prstGeom prst="rect">
+                <a:avLst/>
+              </a:prstGeom>
+              <a:noFill/>
+            </p:spPr>
+            <p:txBody>
+              <a:bodyPr wrap="none" lIns="0" tIns="0" rIns="0" bIns="0" rtlCol="0">
+                <a:spAutoFit/>
+              </a:bodyPr>
+              <a:lstStyle/>
+              <a:p>
+                <a:pPr/>
+                <a14:m>
+                  <m:oMathPara xmlns:m="http://schemas.openxmlformats.org/officeDocument/2006/math">
+                    <m:oMathParaPr>
+                      <m:jc m:val="centerGroup"/>
+                    </m:oMathParaPr>
+                    <m:oMath xmlns:m="http://schemas.openxmlformats.org/officeDocument/2006/math">
+                      <m:r>
+                        <a:rPr lang="fr-FR" sz="1400" b="0" i="1" smtClean="0">
+                          <a:latin typeface="Cambria Math" panose="02040503050406030204" pitchFamily="18" charset="0"/>
+                        </a:rPr>
+                        <m:t>𝐵</m:t>
+                      </m:r>
+                    </m:oMath>
+                  </m:oMathPara>
+                </a14:m>
+                <a:endParaRPr lang="fr-FR" sz="1400" dirty="0"/>
+              </a:p>
+            </p:txBody>
+          </p:sp>
+        </mc:Choice>
+        <mc:Fallback>
+          <p:sp>
+            <p:nvSpPr>
+              <p:cNvPr id="43" name="ZoneTexte 42">
+                <a:extLst>
+                  <a:ext uri="{FF2B5EF4-FFF2-40B4-BE49-F238E27FC236}">
+                    <a16:creationId xmlns:a16="http://schemas.microsoft.com/office/drawing/2014/main" id="{82252D85-4F75-4D5C-8362-ED82F1AEE4E0}"/>
+                  </a:ext>
+                </a:extLst>
+              </p:cNvPr>
+              <p:cNvSpPr txBox="1">
+                <a:spLocks noRot="1" noChangeAspect="1" noMove="1" noResize="1" noEditPoints="1" noAdjustHandles="1" noChangeArrowheads="1" noChangeShapeType="1" noTextEdit="1"/>
+              </p:cNvSpPr>
+              <p:nvPr/>
+            </p:nvSpPr>
+            <p:spPr>
+              <a:xfrm>
+                <a:off x="3699209" y="4250080"/>
+                <a:ext cx="163506" cy="215444"/>
+              </a:xfrm>
+              <a:prstGeom prst="rect">
+                <a:avLst/>
+              </a:prstGeom>
+              <a:blipFill>
+                <a:blip r:embed="rId4"/>
+                <a:stretch>
+                  <a:fillRect l="-25926" r="-18519" b="-2778"/>
+                </a:stretch>
+              </a:blipFill>
+            </p:spPr>
+            <p:txBody>
+              <a:bodyPr/>
+              <a:lstStyle/>
+              <a:p>
+                <a:r>
+                  <a:rPr lang="fr-FR">
+                    <a:noFill/>
+                  </a:rPr>
+                  <a:t> </a:t>
+                </a:r>
+              </a:p>
+            </p:txBody>
+          </p:sp>
+        </mc:Fallback>
+      </mc:AlternateContent>
+      <mc:AlternateContent xmlns:mc="http://schemas.openxmlformats.org/markup-compatibility/2006">
+        <mc:Choice xmlns:a14="http://schemas.microsoft.com/office/drawing/2010/main" Requires="a14">
+          <p:sp>
+            <p:nvSpPr>
+              <p:cNvPr id="44" name="ZoneTexte 43">
+                <a:extLst>
+                  <a:ext uri="{FF2B5EF4-FFF2-40B4-BE49-F238E27FC236}">
+                    <a16:creationId xmlns:a16="http://schemas.microsoft.com/office/drawing/2014/main" id="{9DB86B24-CE5B-4FC0-B0CD-33DDD4B6B34E}"/>
+                  </a:ext>
+                </a:extLst>
+              </p:cNvPr>
+              <p:cNvSpPr txBox="1"/>
+              <p:nvPr/>
+            </p:nvSpPr>
+            <p:spPr>
+              <a:xfrm>
+                <a:off x="5025200" y="3899395"/>
+                <a:ext cx="155363" cy="215444"/>
+              </a:xfrm>
+              <a:prstGeom prst="rect">
+                <a:avLst/>
+              </a:prstGeom>
+              <a:noFill/>
+            </p:spPr>
+            <p:txBody>
+              <a:bodyPr wrap="none" lIns="0" tIns="0" rIns="0" bIns="0" rtlCol="0">
+                <a:spAutoFit/>
+              </a:bodyPr>
+              <a:lstStyle/>
+              <a:p>
+                <a:pPr/>
+                <a14:m>
+                  <m:oMathPara xmlns:m="http://schemas.openxmlformats.org/officeDocument/2006/math">
+                    <m:oMathParaPr>
+                      <m:jc m:val="centerGroup"/>
+                    </m:oMathParaPr>
+                    <m:oMath xmlns:m="http://schemas.openxmlformats.org/officeDocument/2006/math">
+                      <m:r>
+                        <a:rPr lang="fr-FR" sz="1400" b="0" i="1" smtClean="0">
+                          <a:latin typeface="Cambria Math" panose="02040503050406030204" pitchFamily="18" charset="0"/>
+                        </a:rPr>
+                        <m:t>𝐶</m:t>
+                      </m:r>
+                    </m:oMath>
+                  </m:oMathPara>
+                </a14:m>
+                <a:endParaRPr lang="fr-FR" sz="1400" dirty="0"/>
+              </a:p>
+            </p:txBody>
+          </p:sp>
+        </mc:Choice>
+        <mc:Fallback>
+          <p:sp>
+            <p:nvSpPr>
+              <p:cNvPr id="44" name="ZoneTexte 43">
+                <a:extLst>
+                  <a:ext uri="{FF2B5EF4-FFF2-40B4-BE49-F238E27FC236}">
+                    <a16:creationId xmlns:a16="http://schemas.microsoft.com/office/drawing/2014/main" id="{9DB86B24-CE5B-4FC0-B0CD-33DDD4B6B34E}"/>
+                  </a:ext>
+                </a:extLst>
+              </p:cNvPr>
+              <p:cNvSpPr txBox="1">
+                <a:spLocks noRot="1" noChangeAspect="1" noMove="1" noResize="1" noEditPoints="1" noAdjustHandles="1" noChangeArrowheads="1" noChangeShapeType="1" noTextEdit="1"/>
+              </p:cNvSpPr>
+              <p:nvPr/>
+            </p:nvSpPr>
+            <p:spPr>
+              <a:xfrm>
+                <a:off x="5025200" y="3899395"/>
+                <a:ext cx="155363" cy="215444"/>
+              </a:xfrm>
+              <a:prstGeom prst="rect">
+                <a:avLst/>
+              </a:prstGeom>
+              <a:blipFill>
+                <a:blip r:embed="rId5"/>
+                <a:stretch>
+                  <a:fillRect l="-26923" r="-15385" b="-5714"/>
+                </a:stretch>
+              </a:blipFill>
+            </p:spPr>
+            <p:txBody>
+              <a:bodyPr/>
+              <a:lstStyle/>
+              <a:p>
+                <a:r>
+                  <a:rPr lang="fr-FR">
+                    <a:noFill/>
+                  </a:rPr>
+                  <a:t> </a:t>
+                </a:r>
+              </a:p>
+            </p:txBody>
+          </p:sp>
+        </mc:Fallback>
+      </mc:AlternateContent>
+      <mc:AlternateContent xmlns:mc="http://schemas.openxmlformats.org/markup-compatibility/2006">
+        <mc:Choice xmlns:a14="http://schemas.microsoft.com/office/drawing/2010/main" Requires="a14">
+          <p:sp>
+            <p:nvSpPr>
+              <p:cNvPr id="45" name="ZoneTexte 44">
+                <a:extLst>
+                  <a:ext uri="{FF2B5EF4-FFF2-40B4-BE49-F238E27FC236}">
+                    <a16:creationId xmlns:a16="http://schemas.microsoft.com/office/drawing/2014/main" id="{EE6E73A0-EF37-455B-81DE-2C5DA8AC04E3}"/>
+                  </a:ext>
+                </a:extLst>
+              </p:cNvPr>
+              <p:cNvSpPr txBox="1"/>
+              <p:nvPr/>
+            </p:nvSpPr>
+            <p:spPr>
+              <a:xfrm>
+                <a:off x="2658384" y="2238990"/>
+                <a:ext cx="170368" cy="215444"/>
+              </a:xfrm>
+              <a:prstGeom prst="rect">
+                <a:avLst/>
+              </a:prstGeom>
+              <a:noFill/>
+            </p:spPr>
+            <p:txBody>
+              <a:bodyPr wrap="none" lIns="0" tIns="0" rIns="0" bIns="0" rtlCol="0">
+                <a:spAutoFit/>
+              </a:bodyPr>
+              <a:lstStyle/>
+              <a:p>
+                <a:pPr/>
+                <a14:m>
+                  <m:oMathPara xmlns:m="http://schemas.openxmlformats.org/officeDocument/2006/math">
+                    <m:oMathParaPr>
+                      <m:jc m:val="centerGroup"/>
+                    </m:oMathParaPr>
+                    <m:oMath xmlns:m="http://schemas.openxmlformats.org/officeDocument/2006/math">
+                      <m:r>
+                        <a:rPr lang="fr-FR" sz="1400" b="0" i="1" smtClean="0">
+                          <a:latin typeface="Cambria Math" panose="02040503050406030204" pitchFamily="18" charset="0"/>
+                        </a:rPr>
+                        <m:t>𝐷</m:t>
+                      </m:r>
+                    </m:oMath>
+                  </m:oMathPara>
+                </a14:m>
+                <a:endParaRPr lang="fr-FR" sz="1400" dirty="0"/>
+              </a:p>
+            </p:txBody>
+          </p:sp>
+        </mc:Choice>
+        <mc:Fallback>
+          <p:sp>
+            <p:nvSpPr>
+              <p:cNvPr id="45" name="ZoneTexte 44">
+                <a:extLst>
+                  <a:ext uri="{FF2B5EF4-FFF2-40B4-BE49-F238E27FC236}">
+                    <a16:creationId xmlns:a16="http://schemas.microsoft.com/office/drawing/2014/main" id="{EE6E73A0-EF37-455B-81DE-2C5DA8AC04E3}"/>
+                  </a:ext>
+                </a:extLst>
+              </p:cNvPr>
+              <p:cNvSpPr txBox="1">
+                <a:spLocks noRot="1" noChangeAspect="1" noMove="1" noResize="1" noEditPoints="1" noAdjustHandles="1" noChangeArrowheads="1" noChangeShapeType="1" noTextEdit="1"/>
+              </p:cNvSpPr>
+              <p:nvPr/>
+            </p:nvSpPr>
+            <p:spPr>
+              <a:xfrm>
+                <a:off x="2658384" y="2238990"/>
+                <a:ext cx="170368" cy="215444"/>
+              </a:xfrm>
+              <a:prstGeom prst="rect">
+                <a:avLst/>
+              </a:prstGeom>
+              <a:blipFill>
+                <a:blip r:embed="rId6"/>
+                <a:stretch>
+                  <a:fillRect l="-25000" r="-17857" b="-2778"/>
+                </a:stretch>
+              </a:blipFill>
+            </p:spPr>
+            <p:txBody>
+              <a:bodyPr/>
+              <a:lstStyle/>
+              <a:p>
+                <a:r>
+                  <a:rPr lang="fr-FR">
+                    <a:noFill/>
+                  </a:rPr>
+                  <a:t> </a:t>
+                </a:r>
+              </a:p>
+            </p:txBody>
+          </p:sp>
+        </mc:Fallback>
+      </mc:AlternateContent>
+      <p:sp>
+        <p:nvSpPr>
+          <p:cNvPr id="49" name="Ellipse 48">
+            <a:extLst>
+              <a:ext uri="{FF2B5EF4-FFF2-40B4-BE49-F238E27FC236}">
+                <a16:creationId xmlns:a16="http://schemas.microsoft.com/office/drawing/2014/main" id="{9B758CC9-9EA5-431F-9983-B4EC544C8600}"/>
+              </a:ext>
+            </a:extLst>
+          </p:cNvPr>
+          <p:cNvSpPr/>
+          <p:nvPr/>
+        </p:nvSpPr>
+        <p:spPr>
+          <a:xfrm>
+            <a:off x="2113936" y="3058067"/>
+            <a:ext cx="288032" cy="288032"/>
+          </a:xfrm>
+          <a:prstGeom prst="ellipse">
+            <a:avLst/>
+          </a:prstGeom>
+          <a:solidFill>
+            <a:schemeClr val="bg1"/>
+          </a:solidFill>
+          <a:ln>
+            <a:solidFill>
+              <a:schemeClr val="tx1"/>
+            </a:solidFill>
+          </a:ln>
+        </p:spPr>
+        <p:style>
+          <a:lnRef idx="2">
+            <a:schemeClr val="accent1">
+              <a:shade val="50000"/>
+            </a:schemeClr>
+          </a:lnRef>
+          <a:fillRef idx="1">
+            <a:schemeClr val="accent1"/>
+          </a:fillRef>
+          <a:effectRef idx="0">
+            <a:schemeClr val="accent1"/>
+          </a:effectRef>
+          <a:fontRef idx="minor">
+            <a:schemeClr val="lt1"/>
+          </a:fontRef>
+        </p:style>
+        <p:txBody>
+          <a:bodyPr rtlCol="0" anchor="ctr"/>
+          <a:lstStyle/>
+          <a:p>
+            <a:pPr algn="ctr"/>
+            <a:r>
+              <a:rPr lang="fr-FR" sz="1600" b="1" dirty="0">
+                <a:ln w="28575">
+                  <a:noFill/>
+                </a:ln>
+                <a:solidFill>
+                  <a:sysClr val="windowText" lastClr="000000"/>
+                </a:solidFill>
+              </a:rPr>
+              <a:t>0</a:t>
+            </a:r>
+          </a:p>
+        </p:txBody>
+      </p:sp>
+      <p:sp>
+        <p:nvSpPr>
+          <p:cNvPr id="50" name="Ellipse 49">
+            <a:extLst>
+              <a:ext uri="{FF2B5EF4-FFF2-40B4-BE49-F238E27FC236}">
+                <a16:creationId xmlns:a16="http://schemas.microsoft.com/office/drawing/2014/main" id="{21960DE9-AD7E-4AB7-8D12-146F75A56E07}"/>
+              </a:ext>
+            </a:extLst>
+          </p:cNvPr>
+          <p:cNvSpPr/>
+          <p:nvPr/>
+        </p:nvSpPr>
+        <p:spPr>
+          <a:xfrm>
+            <a:off x="4600222" y="4102092"/>
+            <a:ext cx="288032" cy="288032"/>
+          </a:xfrm>
+          <a:prstGeom prst="ellipse">
+            <a:avLst/>
+          </a:prstGeom>
+          <a:solidFill>
+            <a:schemeClr val="bg1"/>
+          </a:solidFill>
+          <a:ln>
+            <a:solidFill>
+              <a:srgbClr val="7030A0"/>
+            </a:solidFill>
+          </a:ln>
+        </p:spPr>
+        <p:style>
+          <a:lnRef idx="2">
+            <a:schemeClr val="accent1">
+              <a:shade val="50000"/>
+            </a:schemeClr>
+          </a:lnRef>
+          <a:fillRef idx="1">
+            <a:schemeClr val="accent1"/>
+          </a:fillRef>
+          <a:effectRef idx="0">
+            <a:schemeClr val="accent1"/>
+          </a:effectRef>
+          <a:fontRef idx="minor">
+            <a:schemeClr val="lt1"/>
+          </a:fontRef>
+        </p:style>
+        <p:txBody>
+          <a:bodyPr rtlCol="0" anchor="ctr"/>
+          <a:lstStyle/>
+          <a:p>
+            <a:pPr algn="ctr"/>
+            <a:r>
+              <a:rPr lang="fr-FR" sz="1600" b="1" dirty="0">
+                <a:ln w="28575">
+                  <a:noFill/>
+                </a:ln>
+                <a:solidFill>
+                  <a:srgbClr val="7030A0"/>
+                </a:solidFill>
+              </a:rPr>
+              <a:t>1</a:t>
+            </a:r>
+          </a:p>
+        </p:txBody>
+      </p:sp>
+      <p:sp>
+        <p:nvSpPr>
+          <p:cNvPr id="51" name="Ellipse 50">
+            <a:extLst>
+              <a:ext uri="{FF2B5EF4-FFF2-40B4-BE49-F238E27FC236}">
+                <a16:creationId xmlns:a16="http://schemas.microsoft.com/office/drawing/2014/main" id="{1D0723B3-8E9D-4079-8A55-F06E75EE2806}"/>
+              </a:ext>
+            </a:extLst>
+          </p:cNvPr>
+          <p:cNvSpPr/>
+          <p:nvPr/>
+        </p:nvSpPr>
+        <p:spPr>
+          <a:xfrm>
+            <a:off x="3155840" y="2824671"/>
+            <a:ext cx="288032" cy="288032"/>
+          </a:xfrm>
+          <a:prstGeom prst="ellipse">
+            <a:avLst/>
+          </a:prstGeom>
+          <a:solidFill>
+            <a:schemeClr val="bg1"/>
+          </a:solidFill>
+          <a:ln>
+            <a:solidFill>
+              <a:srgbClr val="C00000"/>
+            </a:solidFill>
+          </a:ln>
+        </p:spPr>
+        <p:style>
+          <a:lnRef idx="2">
+            <a:schemeClr val="accent1">
+              <a:shade val="50000"/>
+            </a:schemeClr>
+          </a:lnRef>
+          <a:fillRef idx="1">
+            <a:schemeClr val="accent1"/>
+          </a:fillRef>
+          <a:effectRef idx="0">
+            <a:schemeClr val="accent1"/>
+          </a:effectRef>
+          <a:fontRef idx="minor">
+            <a:schemeClr val="lt1"/>
+          </a:fontRef>
+        </p:style>
+        <p:txBody>
+          <a:bodyPr rtlCol="0" anchor="ctr"/>
+          <a:lstStyle/>
+          <a:p>
+            <a:pPr algn="ctr"/>
+            <a:r>
+              <a:rPr lang="fr-FR" sz="1600" b="1" dirty="0">
+                <a:ln w="28575">
+                  <a:noFill/>
+                </a:ln>
+                <a:solidFill>
+                  <a:srgbClr val="C00000"/>
+                </a:solidFill>
+              </a:rPr>
+              <a:t>2</a:t>
+            </a:r>
+          </a:p>
+        </p:txBody>
+      </p:sp>
       <p:grpSp>
         <p:nvGrpSpPr>
-          <p:cNvPr id="46" name="Groupe 45">
+          <p:cNvPr id="4" name="Groupe 3">
             <a:extLst>
               <a:ext uri="{FF2B5EF4-FFF2-40B4-BE49-F238E27FC236}">
-                <a16:creationId xmlns:a16="http://schemas.microsoft.com/office/drawing/2014/main" id="{4C5A4D96-BF3D-4BAB-B47E-3EA4D37B7C29}"/>
+                <a16:creationId xmlns:a16="http://schemas.microsoft.com/office/drawing/2014/main" id="{6FE86F56-6533-47A0-BC73-391D7F6BCF12}"/>
               </a:ext>
             </a:extLst>
           </p:cNvPr>
@@ -3110,19 +4831,19 @@
           <p:nvPr/>
         </p:nvGrpSpPr>
         <p:grpSpPr>
-          <a:xfrm>
-            <a:off x="2051720" y="2225000"/>
-            <a:ext cx="3128843" cy="2407999"/>
-            <a:chOff x="4139952" y="548679"/>
-            <a:chExt cx="3128843" cy="2407999"/>
+          <a:xfrm rot="5400000">
+            <a:off x="1622556" y="2052840"/>
+            <a:ext cx="864096" cy="570296"/>
+            <a:chOff x="2302689" y="5013176"/>
+            <a:chExt cx="864096" cy="570296"/>
           </a:xfrm>
         </p:grpSpPr>
         <p:sp>
           <p:nvSpPr>
-            <p:cNvPr id="24" name="Rectangle 23">
+            <p:cNvPr id="47" name="Forme libre : forme 46">
               <a:extLst>
                 <a:ext uri="{FF2B5EF4-FFF2-40B4-BE49-F238E27FC236}">
-                  <a16:creationId xmlns:a16="http://schemas.microsoft.com/office/drawing/2014/main" id="{49BAA1EE-7064-4E08-ABC5-919A8D0A3BD0}"/>
+                  <a16:creationId xmlns:a16="http://schemas.microsoft.com/office/drawing/2014/main" id="{DF2F6DFC-F669-453A-B460-A4BC327E6A15}"/>
                 </a:ext>
               </a:extLst>
             </p:cNvPr>
@@ -3131,107 +4852,7 @@
           </p:nvSpPr>
           <p:spPr>
             <a:xfrm>
-              <a:off x="4572812" y="2072346"/>
-              <a:ext cx="2447450" cy="288032"/>
-            </a:xfrm>
-            <a:prstGeom prst="rect">
-              <a:avLst/>
-            </a:prstGeom>
-            <a:solidFill>
-              <a:schemeClr val="accent4">
-                <a:lumMod val="20000"/>
-                <a:lumOff val="80000"/>
-              </a:schemeClr>
-            </a:solidFill>
-            <a:ln>
-              <a:noFill/>
-            </a:ln>
-          </p:spPr>
-          <p:style>
-            <a:lnRef idx="2">
-              <a:schemeClr val="accent1">
-                <a:shade val="50000"/>
-              </a:schemeClr>
-            </a:lnRef>
-            <a:fillRef idx="1">
-              <a:schemeClr val="accent1"/>
-            </a:fillRef>
-            <a:effectRef idx="0">
-              <a:schemeClr val="accent1"/>
-            </a:effectRef>
-            <a:fontRef idx="minor">
-              <a:schemeClr val="lt1"/>
-            </a:fontRef>
-          </p:style>
-          <p:txBody>
-            <a:bodyPr rtlCol="0" anchor="ctr"/>
-            <a:lstStyle/>
-            <a:p>
-              <a:pPr algn="ctr"/>
-              <a:endParaRPr lang="fr-FR"/>
-            </a:p>
-          </p:txBody>
-        </p:sp>
-        <p:cxnSp>
-          <p:nvCxnSpPr>
-            <p:cNvPr id="21" name="Connecteur droit 20">
-              <a:extLst>
-                <a:ext uri="{FF2B5EF4-FFF2-40B4-BE49-F238E27FC236}">
-                  <a16:creationId xmlns:a16="http://schemas.microsoft.com/office/drawing/2014/main" id="{5305AA43-6180-400E-954E-AC13194639EA}"/>
-                </a:ext>
-              </a:extLst>
-            </p:cNvPr>
-            <p:cNvCxnSpPr>
-              <a:cxnSpLocks/>
-              <a:stCxn id="20" idx="5"/>
-              <a:endCxn id="15" idx="1"/>
-            </p:cNvCxnSpPr>
-            <p:nvPr/>
-          </p:nvCxnSpPr>
-          <p:spPr>
-            <a:xfrm flipH="1" flipV="1">
-              <a:off x="4470165" y="590860"/>
-              <a:ext cx="1502248" cy="1869805"/>
-            </a:xfrm>
-            <a:prstGeom prst="line">
-              <a:avLst/>
-            </a:prstGeom>
-            <a:ln w="28575">
-              <a:solidFill>
-                <a:srgbClr val="C00000"/>
-              </a:solidFill>
-            </a:ln>
-          </p:spPr>
-          <p:style>
-            <a:lnRef idx="1">
-              <a:schemeClr val="accent1"/>
-            </a:lnRef>
-            <a:fillRef idx="0">
-              <a:schemeClr val="accent1"/>
-            </a:fillRef>
-            <a:effectRef idx="0">
-              <a:schemeClr val="accent1"/>
-            </a:effectRef>
-            <a:fontRef idx="minor">
-              <a:schemeClr val="tx1"/>
-            </a:fontRef>
-          </p:style>
-        </p:cxnSp>
-        <p:sp>
-          <p:nvSpPr>
-            <p:cNvPr id="13" name="Forme libre : forme 12">
-              <a:extLst>
-                <a:ext uri="{FF2B5EF4-FFF2-40B4-BE49-F238E27FC236}">
-                  <a16:creationId xmlns:a16="http://schemas.microsoft.com/office/drawing/2014/main" id="{DB8132D9-4919-44CD-BD78-90AC3293EB90}"/>
-                </a:ext>
-              </a:extLst>
-            </p:cNvPr>
-            <p:cNvSpPr/>
-            <p:nvPr/>
-          </p:nvSpPr>
-          <p:spPr>
-            <a:xfrm>
-              <a:off x="4253948" y="2703443"/>
+              <a:off x="2416685" y="5330237"/>
               <a:ext cx="715617" cy="253235"/>
             </a:xfrm>
             <a:custGeom>
@@ -3341,20 +4962,22 @@
         </p:sp>
         <p:cxnSp>
           <p:nvCxnSpPr>
-            <p:cNvPr id="7" name="Connecteur droit 6">
+            <p:cNvPr id="48" name="Connecteur droit 47">
               <a:extLst>
                 <a:ext uri="{FF2B5EF4-FFF2-40B4-BE49-F238E27FC236}">
-                  <a16:creationId xmlns:a16="http://schemas.microsoft.com/office/drawing/2014/main" id="{221D188D-1ED7-4058-BD0C-7A12C76A6E85}"/>
+                  <a16:creationId xmlns:a16="http://schemas.microsoft.com/office/drawing/2014/main" id="{A0DB2F06-E721-4B8D-81B5-5A7F39E051BF}"/>
                 </a:ext>
               </a:extLst>
             </p:cNvPr>
-            <p:cNvCxnSpPr/>
+            <p:cNvCxnSpPr>
+              <a:cxnSpLocks/>
+            </p:cNvCxnSpPr>
             <p:nvPr/>
           </p:nvCxnSpPr>
           <p:spPr>
             <a:xfrm>
-              <a:off x="4572000" y="548680"/>
-              <a:ext cx="0" cy="2160240"/>
+              <a:off x="2302689" y="5335714"/>
+              <a:ext cx="864096" cy="0"/>
             </a:xfrm>
             <a:prstGeom prst="line">
               <a:avLst/>
@@ -3382,10 +5005,10 @@
         </p:cxnSp>
         <p:cxnSp>
           <p:nvCxnSpPr>
-            <p:cNvPr id="8" name="Connecteur droit 7">
+            <p:cNvPr id="52" name="Connecteur droit 51">
               <a:extLst>
                 <a:ext uri="{FF2B5EF4-FFF2-40B4-BE49-F238E27FC236}">
-                  <a16:creationId xmlns:a16="http://schemas.microsoft.com/office/drawing/2014/main" id="{616A250A-662A-4AA7-A2B3-7BBF5EDF4D32}"/>
+                  <a16:creationId xmlns:a16="http://schemas.microsoft.com/office/drawing/2014/main" id="{424C4AB6-C9B2-436E-A0C2-6483DC1157F1}"/>
                 </a:ext>
               </a:extLst>
             </p:cNvPr>
@@ -3396,8 +5019,8 @@
           </p:nvCxnSpPr>
           <p:spPr>
             <a:xfrm>
-              <a:off x="4139952" y="2708920"/>
-              <a:ext cx="864096" cy="0"/>
+              <a:off x="2766257" y="5013176"/>
+              <a:ext cx="0" cy="317061"/>
             </a:xfrm>
             <a:prstGeom prst="line">
               <a:avLst/>
@@ -3423,1422 +5046,7 @@
             </a:fontRef>
           </p:style>
         </p:cxnSp>
-        <p:sp>
-          <p:nvSpPr>
-            <p:cNvPr id="14" name="Ellipse 13">
-              <a:extLst>
-                <a:ext uri="{FF2B5EF4-FFF2-40B4-BE49-F238E27FC236}">
-                  <a16:creationId xmlns:a16="http://schemas.microsoft.com/office/drawing/2014/main" id="{6DE112DC-444A-48F1-BA58-84D57198FB87}"/>
-                </a:ext>
-              </a:extLst>
-            </p:cNvPr>
-            <p:cNvSpPr/>
-            <p:nvPr/>
-          </p:nvSpPr>
-          <p:spPr>
-            <a:xfrm>
-              <a:off x="4427984" y="2214814"/>
-              <a:ext cx="288032" cy="288032"/>
-            </a:xfrm>
-            <a:prstGeom prst="ellipse">
-              <a:avLst/>
-            </a:prstGeom>
-            <a:solidFill>
-              <a:schemeClr val="bg1"/>
-            </a:solidFill>
-            <a:ln>
-              <a:solidFill>
-                <a:schemeClr val="tx1"/>
-              </a:solidFill>
-            </a:ln>
-          </p:spPr>
-          <p:style>
-            <a:lnRef idx="2">
-              <a:schemeClr val="accent1">
-                <a:shade val="50000"/>
-              </a:schemeClr>
-            </a:lnRef>
-            <a:fillRef idx="1">
-              <a:schemeClr val="accent1"/>
-            </a:fillRef>
-            <a:effectRef idx="0">
-              <a:schemeClr val="accent1"/>
-            </a:effectRef>
-            <a:fontRef idx="minor">
-              <a:schemeClr val="lt1"/>
-            </a:fontRef>
-          </p:style>
-          <p:txBody>
-            <a:bodyPr rtlCol="0" anchor="ctr"/>
-            <a:lstStyle/>
-            <a:p>
-              <a:pPr algn="ctr"/>
-              <a:endParaRPr lang="fr-FR">
-                <a:ln w="28575">
-                  <a:solidFill>
-                    <a:schemeClr val="tx1"/>
-                  </a:solidFill>
-                </a:ln>
-              </a:endParaRPr>
-            </a:p>
-          </p:txBody>
-        </p:sp>
-        <p:sp>
-          <p:nvSpPr>
-            <p:cNvPr id="15" name="Ellipse 14">
-              <a:extLst>
-                <a:ext uri="{FF2B5EF4-FFF2-40B4-BE49-F238E27FC236}">
-                  <a16:creationId xmlns:a16="http://schemas.microsoft.com/office/drawing/2014/main" id="{07D5064B-1E0B-4EE9-B7E5-F093F0C1E402}"/>
-                </a:ext>
-              </a:extLst>
-            </p:cNvPr>
-            <p:cNvSpPr/>
-            <p:nvPr/>
-          </p:nvSpPr>
-          <p:spPr>
-            <a:xfrm>
-              <a:off x="4427984" y="548679"/>
-              <a:ext cx="288032" cy="288032"/>
-            </a:xfrm>
-            <a:prstGeom prst="ellipse">
-              <a:avLst/>
-            </a:prstGeom>
-            <a:solidFill>
-              <a:schemeClr val="bg1"/>
-            </a:solidFill>
-            <a:ln>
-              <a:solidFill>
-                <a:schemeClr val="tx1"/>
-              </a:solidFill>
-            </a:ln>
-          </p:spPr>
-          <p:style>
-            <a:lnRef idx="2">
-              <a:schemeClr val="accent1">
-                <a:shade val="50000"/>
-              </a:schemeClr>
-            </a:lnRef>
-            <a:fillRef idx="1">
-              <a:schemeClr val="accent1"/>
-            </a:fillRef>
-            <a:effectRef idx="0">
-              <a:schemeClr val="accent1"/>
-            </a:effectRef>
-            <a:fontRef idx="minor">
-              <a:schemeClr val="lt1"/>
-            </a:fontRef>
-          </p:style>
-          <p:txBody>
-            <a:bodyPr rtlCol="0" anchor="ctr"/>
-            <a:lstStyle/>
-            <a:p>
-              <a:pPr algn="ctr"/>
-              <a:endParaRPr lang="fr-FR">
-                <a:ln w="28575">
-                  <a:solidFill>
-                    <a:schemeClr val="tx1"/>
-                  </a:solidFill>
-                </a:ln>
-              </a:endParaRPr>
-            </a:p>
-          </p:txBody>
-        </p:sp>
-        <p:cxnSp>
-          <p:nvCxnSpPr>
-            <p:cNvPr id="16" name="Connecteur droit 15">
-              <a:extLst>
-                <a:ext uri="{FF2B5EF4-FFF2-40B4-BE49-F238E27FC236}">
-                  <a16:creationId xmlns:a16="http://schemas.microsoft.com/office/drawing/2014/main" id="{75848090-42AD-4F8D-A679-40E9761AE535}"/>
-                </a:ext>
-              </a:extLst>
-            </p:cNvPr>
-            <p:cNvCxnSpPr>
-              <a:cxnSpLocks/>
-              <a:endCxn id="14" idx="6"/>
-            </p:cNvCxnSpPr>
-            <p:nvPr/>
-          </p:nvCxnSpPr>
-          <p:spPr>
-            <a:xfrm flipH="1">
-              <a:off x="4716016" y="2358830"/>
-              <a:ext cx="2304256" cy="0"/>
-            </a:xfrm>
-            <a:prstGeom prst="line">
-              <a:avLst/>
-            </a:prstGeom>
-            <a:ln w="28575">
-              <a:solidFill>
-                <a:srgbClr val="7030A0"/>
-              </a:solidFill>
-            </a:ln>
-          </p:spPr>
-          <p:style>
-            <a:lnRef idx="1">
-              <a:schemeClr val="accent1"/>
-            </a:lnRef>
-            <a:fillRef idx="0">
-              <a:schemeClr val="accent1"/>
-            </a:fillRef>
-            <a:effectRef idx="0">
-              <a:schemeClr val="accent1"/>
-            </a:effectRef>
-            <a:fontRef idx="minor">
-              <a:schemeClr val="tx1"/>
-            </a:fontRef>
-          </p:style>
-        </p:cxnSp>
-        <p:sp>
-          <p:nvSpPr>
-            <p:cNvPr id="20" name="Ellipse 19">
-              <a:extLst>
-                <a:ext uri="{FF2B5EF4-FFF2-40B4-BE49-F238E27FC236}">
-                  <a16:creationId xmlns:a16="http://schemas.microsoft.com/office/drawing/2014/main" id="{B0A917FC-8A0D-49E1-B632-ACDBAAD90B86}"/>
-                </a:ext>
-              </a:extLst>
-            </p:cNvPr>
-            <p:cNvSpPr/>
-            <p:nvPr/>
-          </p:nvSpPr>
-          <p:spPr>
-            <a:xfrm>
-              <a:off x="5726562" y="2214814"/>
-              <a:ext cx="288032" cy="288032"/>
-            </a:xfrm>
-            <a:prstGeom prst="ellipse">
-              <a:avLst/>
-            </a:prstGeom>
-            <a:solidFill>
-              <a:schemeClr val="bg1"/>
-            </a:solidFill>
-            <a:ln>
-              <a:solidFill>
-                <a:srgbClr val="7030A0"/>
-              </a:solidFill>
-            </a:ln>
-          </p:spPr>
-          <p:style>
-            <a:lnRef idx="2">
-              <a:schemeClr val="accent1">
-                <a:shade val="50000"/>
-              </a:schemeClr>
-            </a:lnRef>
-            <a:fillRef idx="1">
-              <a:schemeClr val="accent1"/>
-            </a:fillRef>
-            <a:effectRef idx="0">
-              <a:schemeClr val="accent1"/>
-            </a:effectRef>
-            <a:fontRef idx="minor">
-              <a:schemeClr val="lt1"/>
-            </a:fontRef>
-          </p:style>
-          <p:txBody>
-            <a:bodyPr rtlCol="0" anchor="ctr"/>
-            <a:lstStyle/>
-            <a:p>
-              <a:pPr algn="ctr"/>
-              <a:endParaRPr lang="fr-FR">
-                <a:ln w="28575">
-                  <a:solidFill>
-                    <a:schemeClr val="tx1"/>
-                  </a:solidFill>
-                </a:ln>
-              </a:endParaRPr>
-            </a:p>
-          </p:txBody>
-        </p:sp>
-        <p:cxnSp>
-          <p:nvCxnSpPr>
-            <p:cNvPr id="25" name="Connecteur droit 24">
-              <a:extLst>
-                <a:ext uri="{FF2B5EF4-FFF2-40B4-BE49-F238E27FC236}">
-                  <a16:creationId xmlns:a16="http://schemas.microsoft.com/office/drawing/2014/main" id="{27147306-8FF7-4029-AB3A-8F36FBCD6297}"/>
-                </a:ext>
-              </a:extLst>
-            </p:cNvPr>
-            <p:cNvCxnSpPr>
-              <a:cxnSpLocks/>
-            </p:cNvCxnSpPr>
-            <p:nvPr/>
-          </p:nvCxnSpPr>
-          <p:spPr>
-            <a:xfrm flipH="1">
-              <a:off x="4574434" y="2068976"/>
-              <a:ext cx="2445828" cy="0"/>
-            </a:xfrm>
-            <a:prstGeom prst="line">
-              <a:avLst/>
-            </a:prstGeom>
-            <a:ln w="12700">
-              <a:solidFill>
-                <a:srgbClr val="7030A0"/>
-              </a:solidFill>
-            </a:ln>
-          </p:spPr>
-          <p:style>
-            <a:lnRef idx="1">
-              <a:schemeClr val="accent1"/>
-            </a:lnRef>
-            <a:fillRef idx="0">
-              <a:schemeClr val="accent1"/>
-            </a:fillRef>
-            <a:effectRef idx="0">
-              <a:schemeClr val="accent1"/>
-            </a:effectRef>
-            <a:fontRef idx="minor">
-              <a:schemeClr val="tx1"/>
-            </a:fontRef>
-          </p:style>
-        </p:cxnSp>
-        <p:cxnSp>
-          <p:nvCxnSpPr>
-            <p:cNvPr id="27" name="Connecteur droit 26">
-              <a:extLst>
-                <a:ext uri="{FF2B5EF4-FFF2-40B4-BE49-F238E27FC236}">
-                  <a16:creationId xmlns:a16="http://schemas.microsoft.com/office/drawing/2014/main" id="{D31E4876-D586-40DB-837F-8195AF25AF13}"/>
-                </a:ext>
-              </a:extLst>
-            </p:cNvPr>
-            <p:cNvCxnSpPr>
-              <a:cxnSpLocks/>
-            </p:cNvCxnSpPr>
-            <p:nvPr/>
-          </p:nvCxnSpPr>
-          <p:spPr>
-            <a:xfrm>
-              <a:off x="7020262" y="2069887"/>
-              <a:ext cx="0" cy="289854"/>
-            </a:xfrm>
-            <a:prstGeom prst="line">
-              <a:avLst/>
-            </a:prstGeom>
-            <a:ln w="12700">
-              <a:solidFill>
-                <a:srgbClr val="7030A0"/>
-              </a:solidFill>
-              <a:tailEnd type="stealth" w="med" len="lg"/>
-            </a:ln>
-          </p:spPr>
-          <p:style>
-            <a:lnRef idx="1">
-              <a:schemeClr val="accent1"/>
-            </a:lnRef>
-            <a:fillRef idx="0">
-              <a:schemeClr val="accent1"/>
-            </a:fillRef>
-            <a:effectRef idx="0">
-              <a:schemeClr val="accent1"/>
-            </a:effectRef>
-            <a:fontRef idx="minor">
-              <a:schemeClr val="tx1"/>
-            </a:fontRef>
-          </p:style>
-        </p:cxnSp>
-        <p:cxnSp>
-          <p:nvCxnSpPr>
-            <p:cNvPr id="30" name="Connecteur droit 29">
-              <a:extLst>
-                <a:ext uri="{FF2B5EF4-FFF2-40B4-BE49-F238E27FC236}">
-                  <a16:creationId xmlns:a16="http://schemas.microsoft.com/office/drawing/2014/main" id="{E7869810-D0B0-4087-87E4-70039B3442E3}"/>
-                </a:ext>
-              </a:extLst>
-            </p:cNvPr>
-            <p:cNvCxnSpPr>
-              <a:cxnSpLocks/>
-            </p:cNvCxnSpPr>
-            <p:nvPr/>
-          </p:nvCxnSpPr>
-          <p:spPr>
-            <a:xfrm>
-              <a:off x="4572000" y="2069887"/>
-              <a:ext cx="0" cy="289854"/>
-            </a:xfrm>
-            <a:prstGeom prst="line">
-              <a:avLst/>
-            </a:prstGeom>
-            <a:ln w="12700">
-              <a:solidFill>
-                <a:srgbClr val="7030A0"/>
-              </a:solidFill>
-              <a:tailEnd type="stealth" w="med" len="lg"/>
-            </a:ln>
-          </p:spPr>
-          <p:style>
-            <a:lnRef idx="1">
-              <a:schemeClr val="accent1"/>
-            </a:lnRef>
-            <a:fillRef idx="0">
-              <a:schemeClr val="accent1"/>
-            </a:fillRef>
-            <a:effectRef idx="0">
-              <a:schemeClr val="accent1"/>
-            </a:effectRef>
-            <a:fontRef idx="minor">
-              <a:schemeClr val="tx1"/>
-            </a:fontRef>
-          </p:style>
-        </p:cxnSp>
-        <p:cxnSp>
-          <p:nvCxnSpPr>
-            <p:cNvPr id="31" name="Connecteur droit 30">
-              <a:extLst>
-                <a:ext uri="{FF2B5EF4-FFF2-40B4-BE49-F238E27FC236}">
-                  <a16:creationId xmlns:a16="http://schemas.microsoft.com/office/drawing/2014/main" id="{7646DE1C-AFD1-43B1-B1D0-15CA1FAD7829}"/>
-                </a:ext>
-              </a:extLst>
-            </p:cNvPr>
-            <p:cNvCxnSpPr>
-              <a:cxnSpLocks/>
-            </p:cNvCxnSpPr>
-            <p:nvPr/>
-          </p:nvCxnSpPr>
-          <p:spPr>
-            <a:xfrm>
-              <a:off x="4776022" y="2069887"/>
-              <a:ext cx="0" cy="289854"/>
-            </a:xfrm>
-            <a:prstGeom prst="line">
-              <a:avLst/>
-            </a:prstGeom>
-            <a:ln w="12700">
-              <a:solidFill>
-                <a:srgbClr val="7030A0"/>
-              </a:solidFill>
-              <a:tailEnd type="stealth" w="med" len="lg"/>
-            </a:ln>
-          </p:spPr>
-          <p:style>
-            <a:lnRef idx="1">
-              <a:schemeClr val="accent1"/>
-            </a:lnRef>
-            <a:fillRef idx="0">
-              <a:schemeClr val="accent1"/>
-            </a:fillRef>
-            <a:effectRef idx="0">
-              <a:schemeClr val="accent1"/>
-            </a:effectRef>
-            <a:fontRef idx="minor">
-              <a:schemeClr val="tx1"/>
-            </a:fontRef>
-          </p:style>
-        </p:cxnSp>
-        <p:cxnSp>
-          <p:nvCxnSpPr>
-            <p:cNvPr id="32" name="Connecteur droit 31">
-              <a:extLst>
-                <a:ext uri="{FF2B5EF4-FFF2-40B4-BE49-F238E27FC236}">
-                  <a16:creationId xmlns:a16="http://schemas.microsoft.com/office/drawing/2014/main" id="{4D0424AA-0F6D-465F-A7DC-F1C086E4749C}"/>
-                </a:ext>
-              </a:extLst>
-            </p:cNvPr>
-            <p:cNvCxnSpPr>
-              <a:cxnSpLocks/>
-            </p:cNvCxnSpPr>
-            <p:nvPr/>
-          </p:nvCxnSpPr>
-          <p:spPr>
-            <a:xfrm>
-              <a:off x="4980044" y="2069887"/>
-              <a:ext cx="0" cy="289854"/>
-            </a:xfrm>
-            <a:prstGeom prst="line">
-              <a:avLst/>
-            </a:prstGeom>
-            <a:ln w="12700">
-              <a:solidFill>
-                <a:srgbClr val="7030A0"/>
-              </a:solidFill>
-              <a:tailEnd type="stealth" w="med" len="lg"/>
-            </a:ln>
-          </p:spPr>
-          <p:style>
-            <a:lnRef idx="1">
-              <a:schemeClr val="accent1"/>
-            </a:lnRef>
-            <a:fillRef idx="0">
-              <a:schemeClr val="accent1"/>
-            </a:fillRef>
-            <a:effectRef idx="0">
-              <a:schemeClr val="accent1"/>
-            </a:effectRef>
-            <a:fontRef idx="minor">
-              <a:schemeClr val="tx1"/>
-            </a:fontRef>
-          </p:style>
-        </p:cxnSp>
-        <p:cxnSp>
-          <p:nvCxnSpPr>
-            <p:cNvPr id="33" name="Connecteur droit 32">
-              <a:extLst>
-                <a:ext uri="{FF2B5EF4-FFF2-40B4-BE49-F238E27FC236}">
-                  <a16:creationId xmlns:a16="http://schemas.microsoft.com/office/drawing/2014/main" id="{B8C47318-ED44-44A4-BE7A-B54402986E5D}"/>
-                </a:ext>
-              </a:extLst>
-            </p:cNvPr>
-            <p:cNvCxnSpPr>
-              <a:cxnSpLocks/>
-            </p:cNvCxnSpPr>
-            <p:nvPr/>
-          </p:nvCxnSpPr>
-          <p:spPr>
-            <a:xfrm>
-              <a:off x="5184066" y="2069887"/>
-              <a:ext cx="0" cy="289854"/>
-            </a:xfrm>
-            <a:prstGeom prst="line">
-              <a:avLst/>
-            </a:prstGeom>
-            <a:ln w="12700">
-              <a:solidFill>
-                <a:srgbClr val="7030A0"/>
-              </a:solidFill>
-              <a:tailEnd type="stealth" w="med" len="lg"/>
-            </a:ln>
-          </p:spPr>
-          <p:style>
-            <a:lnRef idx="1">
-              <a:schemeClr val="accent1"/>
-            </a:lnRef>
-            <a:fillRef idx="0">
-              <a:schemeClr val="accent1"/>
-            </a:fillRef>
-            <a:effectRef idx="0">
-              <a:schemeClr val="accent1"/>
-            </a:effectRef>
-            <a:fontRef idx="minor">
-              <a:schemeClr val="tx1"/>
-            </a:fontRef>
-          </p:style>
-        </p:cxnSp>
-        <p:cxnSp>
-          <p:nvCxnSpPr>
-            <p:cNvPr id="34" name="Connecteur droit 33">
-              <a:extLst>
-                <a:ext uri="{FF2B5EF4-FFF2-40B4-BE49-F238E27FC236}">
-                  <a16:creationId xmlns:a16="http://schemas.microsoft.com/office/drawing/2014/main" id="{BFC40B82-501E-428F-B5C5-46AEEA745526}"/>
-                </a:ext>
-              </a:extLst>
-            </p:cNvPr>
-            <p:cNvCxnSpPr>
-              <a:cxnSpLocks/>
-            </p:cNvCxnSpPr>
-            <p:nvPr/>
-          </p:nvCxnSpPr>
-          <p:spPr>
-            <a:xfrm>
-              <a:off x="5388088" y="2069887"/>
-              <a:ext cx="0" cy="289854"/>
-            </a:xfrm>
-            <a:prstGeom prst="line">
-              <a:avLst/>
-            </a:prstGeom>
-            <a:ln w="12700">
-              <a:solidFill>
-                <a:srgbClr val="7030A0"/>
-              </a:solidFill>
-              <a:tailEnd type="stealth" w="med" len="lg"/>
-            </a:ln>
-          </p:spPr>
-          <p:style>
-            <a:lnRef idx="1">
-              <a:schemeClr val="accent1"/>
-            </a:lnRef>
-            <a:fillRef idx="0">
-              <a:schemeClr val="accent1"/>
-            </a:fillRef>
-            <a:effectRef idx="0">
-              <a:schemeClr val="accent1"/>
-            </a:effectRef>
-            <a:fontRef idx="minor">
-              <a:schemeClr val="tx1"/>
-            </a:fontRef>
-          </p:style>
-        </p:cxnSp>
-        <p:cxnSp>
-          <p:nvCxnSpPr>
-            <p:cNvPr id="35" name="Connecteur droit 34">
-              <a:extLst>
-                <a:ext uri="{FF2B5EF4-FFF2-40B4-BE49-F238E27FC236}">
-                  <a16:creationId xmlns:a16="http://schemas.microsoft.com/office/drawing/2014/main" id="{CFAEC61E-1B8A-40DC-98F2-51D48D78B340}"/>
-                </a:ext>
-              </a:extLst>
-            </p:cNvPr>
-            <p:cNvCxnSpPr>
-              <a:cxnSpLocks/>
-            </p:cNvCxnSpPr>
-            <p:nvPr/>
-          </p:nvCxnSpPr>
-          <p:spPr>
-            <a:xfrm>
-              <a:off x="5592110" y="2069887"/>
-              <a:ext cx="0" cy="289854"/>
-            </a:xfrm>
-            <a:prstGeom prst="line">
-              <a:avLst/>
-            </a:prstGeom>
-            <a:ln w="12700">
-              <a:solidFill>
-                <a:srgbClr val="7030A0"/>
-              </a:solidFill>
-              <a:tailEnd type="stealth" w="med" len="lg"/>
-            </a:ln>
-          </p:spPr>
-          <p:style>
-            <a:lnRef idx="1">
-              <a:schemeClr val="accent1"/>
-            </a:lnRef>
-            <a:fillRef idx="0">
-              <a:schemeClr val="accent1"/>
-            </a:fillRef>
-            <a:effectRef idx="0">
-              <a:schemeClr val="accent1"/>
-            </a:effectRef>
-            <a:fontRef idx="minor">
-              <a:schemeClr val="tx1"/>
-            </a:fontRef>
-          </p:style>
-        </p:cxnSp>
-        <p:cxnSp>
-          <p:nvCxnSpPr>
-            <p:cNvPr id="36" name="Connecteur droit 35">
-              <a:extLst>
-                <a:ext uri="{FF2B5EF4-FFF2-40B4-BE49-F238E27FC236}">
-                  <a16:creationId xmlns:a16="http://schemas.microsoft.com/office/drawing/2014/main" id="{38737942-B264-424C-9084-C3E660C78434}"/>
-                </a:ext>
-              </a:extLst>
-            </p:cNvPr>
-            <p:cNvCxnSpPr>
-              <a:cxnSpLocks/>
-            </p:cNvCxnSpPr>
-            <p:nvPr/>
-          </p:nvCxnSpPr>
-          <p:spPr>
-            <a:xfrm>
-              <a:off x="5796132" y="2069887"/>
-              <a:ext cx="0" cy="289854"/>
-            </a:xfrm>
-            <a:prstGeom prst="line">
-              <a:avLst/>
-            </a:prstGeom>
-            <a:ln w="12700">
-              <a:solidFill>
-                <a:srgbClr val="7030A0"/>
-              </a:solidFill>
-              <a:tailEnd type="stealth" w="med" len="lg"/>
-            </a:ln>
-          </p:spPr>
-          <p:style>
-            <a:lnRef idx="1">
-              <a:schemeClr val="accent1"/>
-            </a:lnRef>
-            <a:fillRef idx="0">
-              <a:schemeClr val="accent1"/>
-            </a:fillRef>
-            <a:effectRef idx="0">
-              <a:schemeClr val="accent1"/>
-            </a:effectRef>
-            <a:fontRef idx="minor">
-              <a:schemeClr val="tx1"/>
-            </a:fontRef>
-          </p:style>
-        </p:cxnSp>
-        <p:cxnSp>
-          <p:nvCxnSpPr>
-            <p:cNvPr id="37" name="Connecteur droit 36">
-              <a:extLst>
-                <a:ext uri="{FF2B5EF4-FFF2-40B4-BE49-F238E27FC236}">
-                  <a16:creationId xmlns:a16="http://schemas.microsoft.com/office/drawing/2014/main" id="{FDF0CFBD-856B-49F3-A761-ADA3D0068741}"/>
-                </a:ext>
-              </a:extLst>
-            </p:cNvPr>
-            <p:cNvCxnSpPr>
-              <a:cxnSpLocks/>
-            </p:cNvCxnSpPr>
-            <p:nvPr/>
-          </p:nvCxnSpPr>
-          <p:spPr>
-            <a:xfrm>
-              <a:off x="6000154" y="2069887"/>
-              <a:ext cx="0" cy="289854"/>
-            </a:xfrm>
-            <a:prstGeom prst="line">
-              <a:avLst/>
-            </a:prstGeom>
-            <a:ln w="12700">
-              <a:solidFill>
-                <a:srgbClr val="7030A0"/>
-              </a:solidFill>
-              <a:tailEnd type="stealth" w="med" len="lg"/>
-            </a:ln>
-          </p:spPr>
-          <p:style>
-            <a:lnRef idx="1">
-              <a:schemeClr val="accent1"/>
-            </a:lnRef>
-            <a:fillRef idx="0">
-              <a:schemeClr val="accent1"/>
-            </a:fillRef>
-            <a:effectRef idx="0">
-              <a:schemeClr val="accent1"/>
-            </a:effectRef>
-            <a:fontRef idx="minor">
-              <a:schemeClr val="tx1"/>
-            </a:fontRef>
-          </p:style>
-        </p:cxnSp>
-        <p:cxnSp>
-          <p:nvCxnSpPr>
-            <p:cNvPr id="38" name="Connecteur droit 37">
-              <a:extLst>
-                <a:ext uri="{FF2B5EF4-FFF2-40B4-BE49-F238E27FC236}">
-                  <a16:creationId xmlns:a16="http://schemas.microsoft.com/office/drawing/2014/main" id="{A5A80F7C-B6EA-457D-90F5-E885061B5D17}"/>
-                </a:ext>
-              </a:extLst>
-            </p:cNvPr>
-            <p:cNvCxnSpPr>
-              <a:cxnSpLocks/>
-            </p:cNvCxnSpPr>
-            <p:nvPr/>
-          </p:nvCxnSpPr>
-          <p:spPr>
-            <a:xfrm>
-              <a:off x="6204176" y="2069887"/>
-              <a:ext cx="0" cy="289854"/>
-            </a:xfrm>
-            <a:prstGeom prst="line">
-              <a:avLst/>
-            </a:prstGeom>
-            <a:ln w="12700">
-              <a:solidFill>
-                <a:srgbClr val="7030A0"/>
-              </a:solidFill>
-              <a:tailEnd type="stealth" w="med" len="lg"/>
-            </a:ln>
-          </p:spPr>
-          <p:style>
-            <a:lnRef idx="1">
-              <a:schemeClr val="accent1"/>
-            </a:lnRef>
-            <a:fillRef idx="0">
-              <a:schemeClr val="accent1"/>
-            </a:fillRef>
-            <a:effectRef idx="0">
-              <a:schemeClr val="accent1"/>
-            </a:effectRef>
-            <a:fontRef idx="minor">
-              <a:schemeClr val="tx1"/>
-            </a:fontRef>
-          </p:style>
-        </p:cxnSp>
-        <p:cxnSp>
-          <p:nvCxnSpPr>
-            <p:cNvPr id="39" name="Connecteur droit 38">
-              <a:extLst>
-                <a:ext uri="{FF2B5EF4-FFF2-40B4-BE49-F238E27FC236}">
-                  <a16:creationId xmlns:a16="http://schemas.microsoft.com/office/drawing/2014/main" id="{F9105DD1-D617-4A0B-9C21-11C314243DB2}"/>
-                </a:ext>
-              </a:extLst>
-            </p:cNvPr>
-            <p:cNvCxnSpPr>
-              <a:cxnSpLocks/>
-            </p:cNvCxnSpPr>
-            <p:nvPr/>
-          </p:nvCxnSpPr>
-          <p:spPr>
-            <a:xfrm>
-              <a:off x="6408198" y="2069887"/>
-              <a:ext cx="0" cy="289854"/>
-            </a:xfrm>
-            <a:prstGeom prst="line">
-              <a:avLst/>
-            </a:prstGeom>
-            <a:ln w="12700">
-              <a:solidFill>
-                <a:srgbClr val="7030A0"/>
-              </a:solidFill>
-              <a:tailEnd type="stealth" w="med" len="lg"/>
-            </a:ln>
-          </p:spPr>
-          <p:style>
-            <a:lnRef idx="1">
-              <a:schemeClr val="accent1"/>
-            </a:lnRef>
-            <a:fillRef idx="0">
-              <a:schemeClr val="accent1"/>
-            </a:fillRef>
-            <a:effectRef idx="0">
-              <a:schemeClr val="accent1"/>
-            </a:effectRef>
-            <a:fontRef idx="minor">
-              <a:schemeClr val="tx1"/>
-            </a:fontRef>
-          </p:style>
-        </p:cxnSp>
-        <p:cxnSp>
-          <p:nvCxnSpPr>
-            <p:cNvPr id="40" name="Connecteur droit 39">
-              <a:extLst>
-                <a:ext uri="{FF2B5EF4-FFF2-40B4-BE49-F238E27FC236}">
-                  <a16:creationId xmlns:a16="http://schemas.microsoft.com/office/drawing/2014/main" id="{C14028FA-239A-4920-BDFB-B5D79A413174}"/>
-                </a:ext>
-              </a:extLst>
-            </p:cNvPr>
-            <p:cNvCxnSpPr>
-              <a:cxnSpLocks/>
-            </p:cNvCxnSpPr>
-            <p:nvPr/>
-          </p:nvCxnSpPr>
-          <p:spPr>
-            <a:xfrm>
-              <a:off x="6612220" y="2069887"/>
-              <a:ext cx="0" cy="289854"/>
-            </a:xfrm>
-            <a:prstGeom prst="line">
-              <a:avLst/>
-            </a:prstGeom>
-            <a:ln w="12700">
-              <a:solidFill>
-                <a:srgbClr val="7030A0"/>
-              </a:solidFill>
-              <a:tailEnd type="stealth" w="med" len="lg"/>
-            </a:ln>
-          </p:spPr>
-          <p:style>
-            <a:lnRef idx="1">
-              <a:schemeClr val="accent1"/>
-            </a:lnRef>
-            <a:fillRef idx="0">
-              <a:schemeClr val="accent1"/>
-            </a:fillRef>
-            <a:effectRef idx="0">
-              <a:schemeClr val="accent1"/>
-            </a:effectRef>
-            <a:fontRef idx="minor">
-              <a:schemeClr val="tx1"/>
-            </a:fontRef>
-          </p:style>
-        </p:cxnSp>
-        <p:cxnSp>
-          <p:nvCxnSpPr>
-            <p:cNvPr id="41" name="Connecteur droit 40">
-              <a:extLst>
-                <a:ext uri="{FF2B5EF4-FFF2-40B4-BE49-F238E27FC236}">
-                  <a16:creationId xmlns:a16="http://schemas.microsoft.com/office/drawing/2014/main" id="{0759F1CD-362D-40F6-A65D-6A2BE1F6B2C8}"/>
-                </a:ext>
-              </a:extLst>
-            </p:cNvPr>
-            <p:cNvCxnSpPr>
-              <a:cxnSpLocks/>
-            </p:cNvCxnSpPr>
-            <p:nvPr/>
-          </p:nvCxnSpPr>
-          <p:spPr>
-            <a:xfrm>
-              <a:off x="6816242" y="2069887"/>
-              <a:ext cx="0" cy="289854"/>
-            </a:xfrm>
-            <a:prstGeom prst="line">
-              <a:avLst/>
-            </a:prstGeom>
-            <a:ln w="12700">
-              <a:solidFill>
-                <a:srgbClr val="7030A0"/>
-              </a:solidFill>
-              <a:tailEnd type="stealth" w="med" len="lg"/>
-            </a:ln>
-          </p:spPr>
-          <p:style>
-            <a:lnRef idx="1">
-              <a:schemeClr val="accent1"/>
-            </a:lnRef>
-            <a:fillRef idx="0">
-              <a:schemeClr val="accent1"/>
-            </a:fillRef>
-            <a:effectRef idx="0">
-              <a:schemeClr val="accent1"/>
-            </a:effectRef>
-            <a:fontRef idx="minor">
-              <a:schemeClr val="tx1"/>
-            </a:fontRef>
-          </p:style>
-        </p:cxnSp>
-        <mc:AlternateContent xmlns:mc="http://schemas.openxmlformats.org/markup-compatibility/2006" xmlns:a14="http://schemas.microsoft.com/office/drawing/2010/main">
-          <mc:Choice Requires="a14">
-            <p:sp>
-              <p:nvSpPr>
-                <p:cNvPr id="42" name="ZoneTexte 41">
-                  <a:extLst>
-                    <a:ext uri="{FF2B5EF4-FFF2-40B4-BE49-F238E27FC236}">
-                      <a16:creationId xmlns:a16="http://schemas.microsoft.com/office/drawing/2014/main" id="{71373DDE-05E1-48E4-8635-B709E8150BA8}"/>
-                    </a:ext>
-                  </a:extLst>
-                </p:cNvPr>
-                <p:cNvSpPr txBox="1"/>
-                <p:nvPr/>
-              </p:nvSpPr>
-              <p:spPr>
-                <a:xfrm>
-                  <a:off x="4222866" y="2220434"/>
-                  <a:ext cx="155619" cy="215444"/>
-                </a:xfrm>
-                <a:prstGeom prst="rect">
-                  <a:avLst/>
-                </a:prstGeom>
-                <a:noFill/>
-              </p:spPr>
-              <p:txBody>
-                <a:bodyPr wrap="none" lIns="0" tIns="0" rIns="0" bIns="0" rtlCol="0">
-                  <a:spAutoFit/>
-                </a:bodyPr>
-                <a:lstStyle/>
-                <a:p>
-                  <a:pPr/>
-                  <a14:m>
-                    <m:oMathPara xmlns:m="http://schemas.openxmlformats.org/officeDocument/2006/math">
-                      <m:oMathParaPr>
-                        <m:jc m:val="centerGroup"/>
-                      </m:oMathParaPr>
-                      <m:oMath xmlns:m="http://schemas.openxmlformats.org/officeDocument/2006/math">
-                        <m:r>
-                          <a:rPr lang="fr-FR" sz="1400" b="0" i="1" smtClean="0">
-                            <a:latin typeface="Cambria Math" panose="02040503050406030204" pitchFamily="18" charset="0"/>
-                          </a:rPr>
-                          <m:t>𝐴</m:t>
-                        </m:r>
-                      </m:oMath>
-                    </m:oMathPara>
-                  </a14:m>
-                  <a:endParaRPr lang="fr-FR" sz="1400" dirty="0"/>
-                </a:p>
-              </p:txBody>
-            </p:sp>
-          </mc:Choice>
-          <mc:Fallback xmlns="">
-            <p:sp>
-              <p:nvSpPr>
-                <p:cNvPr id="42" name="ZoneTexte 41">
-                  <a:extLst>
-                    <a:ext uri="{FF2B5EF4-FFF2-40B4-BE49-F238E27FC236}">
-                      <a16:creationId xmlns:a16="http://schemas.microsoft.com/office/drawing/2014/main" id="{71373DDE-05E1-48E4-8635-B709E8150BA8}"/>
-                    </a:ext>
-                  </a:extLst>
-                </p:cNvPr>
-                <p:cNvSpPr txBox="1">
-                  <a:spLocks noRot="1" noChangeAspect="1" noMove="1" noResize="1" noEditPoints="1" noAdjustHandles="1" noChangeArrowheads="1" noChangeShapeType="1" noTextEdit="1"/>
-                </p:cNvSpPr>
-                <p:nvPr/>
-              </p:nvSpPr>
-              <p:spPr>
-                <a:xfrm>
-                  <a:off x="4222866" y="2220434"/>
-                  <a:ext cx="155619" cy="215444"/>
-                </a:xfrm>
-                <a:prstGeom prst="rect">
-                  <a:avLst/>
-                </a:prstGeom>
-                <a:blipFill>
-                  <a:blip r:embed="rId3"/>
-                  <a:stretch>
-                    <a:fillRect l="-26923" r="-19231" b="-2778"/>
-                  </a:stretch>
-                </a:blipFill>
-              </p:spPr>
-              <p:txBody>
-                <a:bodyPr/>
-                <a:lstStyle/>
-                <a:p>
-                  <a:r>
-                    <a:rPr lang="fr-FR">
-                      <a:noFill/>
-                    </a:rPr>
-                    <a:t> </a:t>
-                  </a:r>
-                </a:p>
-              </p:txBody>
-            </p:sp>
-          </mc:Fallback>
-        </mc:AlternateContent>
-        <mc:AlternateContent xmlns:mc="http://schemas.openxmlformats.org/markup-compatibility/2006" xmlns:a14="http://schemas.microsoft.com/office/drawing/2010/main">
-          <mc:Choice Requires="a14">
-            <p:sp>
-              <p:nvSpPr>
-                <p:cNvPr id="43" name="ZoneTexte 42">
-                  <a:extLst>
-                    <a:ext uri="{FF2B5EF4-FFF2-40B4-BE49-F238E27FC236}">
-                      <a16:creationId xmlns:a16="http://schemas.microsoft.com/office/drawing/2014/main" id="{82252D85-4F75-4D5C-8362-ED82F1AEE4E0}"/>
-                    </a:ext>
-                  </a:extLst>
-                </p:cNvPr>
-                <p:cNvSpPr txBox="1"/>
-                <p:nvPr/>
-              </p:nvSpPr>
-              <p:spPr>
-                <a:xfrm>
-                  <a:off x="5787441" y="2573759"/>
-                  <a:ext cx="163506" cy="215444"/>
-                </a:xfrm>
-                <a:prstGeom prst="rect">
-                  <a:avLst/>
-                </a:prstGeom>
-                <a:noFill/>
-              </p:spPr>
-              <p:txBody>
-                <a:bodyPr wrap="none" lIns="0" tIns="0" rIns="0" bIns="0" rtlCol="0">
-                  <a:spAutoFit/>
-                </a:bodyPr>
-                <a:lstStyle/>
-                <a:p>
-                  <a:pPr/>
-                  <a14:m>
-                    <m:oMathPara xmlns:m="http://schemas.openxmlformats.org/officeDocument/2006/math">
-                      <m:oMathParaPr>
-                        <m:jc m:val="centerGroup"/>
-                      </m:oMathParaPr>
-                      <m:oMath xmlns:m="http://schemas.openxmlformats.org/officeDocument/2006/math">
-                        <m:r>
-                          <a:rPr lang="fr-FR" sz="1400" b="0" i="1" smtClean="0">
-                            <a:latin typeface="Cambria Math" panose="02040503050406030204" pitchFamily="18" charset="0"/>
-                          </a:rPr>
-                          <m:t>𝐵</m:t>
-                        </m:r>
-                      </m:oMath>
-                    </m:oMathPara>
-                  </a14:m>
-                  <a:endParaRPr lang="fr-FR" sz="1400" dirty="0"/>
-                </a:p>
-              </p:txBody>
-            </p:sp>
-          </mc:Choice>
-          <mc:Fallback xmlns="">
-            <p:sp>
-              <p:nvSpPr>
-                <p:cNvPr id="43" name="ZoneTexte 42">
-                  <a:extLst>
-                    <a:ext uri="{FF2B5EF4-FFF2-40B4-BE49-F238E27FC236}">
-                      <a16:creationId xmlns:a16="http://schemas.microsoft.com/office/drawing/2014/main" id="{82252D85-4F75-4D5C-8362-ED82F1AEE4E0}"/>
-                    </a:ext>
-                  </a:extLst>
-                </p:cNvPr>
-                <p:cNvSpPr txBox="1">
-                  <a:spLocks noRot="1" noChangeAspect="1" noMove="1" noResize="1" noEditPoints="1" noAdjustHandles="1" noChangeArrowheads="1" noChangeShapeType="1" noTextEdit="1"/>
-                </p:cNvSpPr>
-                <p:nvPr/>
-              </p:nvSpPr>
-              <p:spPr>
-                <a:xfrm>
-                  <a:off x="5787441" y="2573759"/>
-                  <a:ext cx="163506" cy="215444"/>
-                </a:xfrm>
-                <a:prstGeom prst="rect">
-                  <a:avLst/>
-                </a:prstGeom>
-                <a:blipFill>
-                  <a:blip r:embed="rId4"/>
-                  <a:stretch>
-                    <a:fillRect l="-25926" r="-18519" b="-2778"/>
-                  </a:stretch>
-                </a:blipFill>
-              </p:spPr>
-              <p:txBody>
-                <a:bodyPr/>
-                <a:lstStyle/>
-                <a:p>
-                  <a:r>
-                    <a:rPr lang="fr-FR">
-                      <a:noFill/>
-                    </a:rPr>
-                    <a:t> </a:t>
-                  </a:r>
-                </a:p>
-              </p:txBody>
-            </p:sp>
-          </mc:Fallback>
-        </mc:AlternateContent>
-        <mc:AlternateContent xmlns:mc="http://schemas.openxmlformats.org/markup-compatibility/2006" xmlns:a14="http://schemas.microsoft.com/office/drawing/2010/main">
-          <mc:Choice Requires="a14">
-            <p:sp>
-              <p:nvSpPr>
-                <p:cNvPr id="44" name="ZoneTexte 43">
-                  <a:extLst>
-                    <a:ext uri="{FF2B5EF4-FFF2-40B4-BE49-F238E27FC236}">
-                      <a16:creationId xmlns:a16="http://schemas.microsoft.com/office/drawing/2014/main" id="{9DB86B24-CE5B-4FC0-B0CD-33DDD4B6B34E}"/>
-                    </a:ext>
-                  </a:extLst>
-                </p:cNvPr>
-                <p:cNvSpPr txBox="1"/>
-                <p:nvPr/>
-              </p:nvSpPr>
-              <p:spPr>
-                <a:xfrm>
-                  <a:off x="7113432" y="2223074"/>
-                  <a:ext cx="155363" cy="215444"/>
-                </a:xfrm>
-                <a:prstGeom prst="rect">
-                  <a:avLst/>
-                </a:prstGeom>
-                <a:noFill/>
-              </p:spPr>
-              <p:txBody>
-                <a:bodyPr wrap="none" lIns="0" tIns="0" rIns="0" bIns="0" rtlCol="0">
-                  <a:spAutoFit/>
-                </a:bodyPr>
-                <a:lstStyle/>
-                <a:p>
-                  <a:pPr/>
-                  <a14:m>
-                    <m:oMathPara xmlns:m="http://schemas.openxmlformats.org/officeDocument/2006/math">
-                      <m:oMathParaPr>
-                        <m:jc m:val="centerGroup"/>
-                      </m:oMathParaPr>
-                      <m:oMath xmlns:m="http://schemas.openxmlformats.org/officeDocument/2006/math">
-                        <m:r>
-                          <a:rPr lang="fr-FR" sz="1400" b="0" i="1" smtClean="0">
-                            <a:latin typeface="Cambria Math" panose="02040503050406030204" pitchFamily="18" charset="0"/>
-                          </a:rPr>
-                          <m:t>𝐶</m:t>
-                        </m:r>
-                      </m:oMath>
-                    </m:oMathPara>
-                  </a14:m>
-                  <a:endParaRPr lang="fr-FR" sz="1400" dirty="0"/>
-                </a:p>
-              </p:txBody>
-            </p:sp>
-          </mc:Choice>
-          <mc:Fallback xmlns="">
-            <p:sp>
-              <p:nvSpPr>
-                <p:cNvPr id="44" name="ZoneTexte 43">
-                  <a:extLst>
-                    <a:ext uri="{FF2B5EF4-FFF2-40B4-BE49-F238E27FC236}">
-                      <a16:creationId xmlns:a16="http://schemas.microsoft.com/office/drawing/2014/main" id="{9DB86B24-CE5B-4FC0-B0CD-33DDD4B6B34E}"/>
-                    </a:ext>
-                  </a:extLst>
-                </p:cNvPr>
-                <p:cNvSpPr txBox="1">
-                  <a:spLocks noRot="1" noChangeAspect="1" noMove="1" noResize="1" noEditPoints="1" noAdjustHandles="1" noChangeArrowheads="1" noChangeShapeType="1" noTextEdit="1"/>
-                </p:cNvSpPr>
-                <p:nvPr/>
-              </p:nvSpPr>
-              <p:spPr>
-                <a:xfrm>
-                  <a:off x="7113432" y="2223074"/>
-                  <a:ext cx="155363" cy="215444"/>
-                </a:xfrm>
-                <a:prstGeom prst="rect">
-                  <a:avLst/>
-                </a:prstGeom>
-                <a:blipFill>
-                  <a:blip r:embed="rId5"/>
-                  <a:stretch>
-                    <a:fillRect l="-26923" r="-15385" b="-5714"/>
-                  </a:stretch>
-                </a:blipFill>
-              </p:spPr>
-              <p:txBody>
-                <a:bodyPr/>
-                <a:lstStyle/>
-                <a:p>
-                  <a:r>
-                    <a:rPr lang="fr-FR">
-                      <a:noFill/>
-                    </a:rPr>
-                    <a:t> </a:t>
-                  </a:r>
-                </a:p>
-              </p:txBody>
-            </p:sp>
-          </mc:Fallback>
-        </mc:AlternateContent>
-        <mc:AlternateContent xmlns:mc="http://schemas.openxmlformats.org/markup-compatibility/2006" xmlns:a14="http://schemas.microsoft.com/office/drawing/2010/main">
-          <mc:Choice Requires="a14">
-            <p:sp>
-              <p:nvSpPr>
-                <p:cNvPr id="45" name="ZoneTexte 44">
-                  <a:extLst>
-                    <a:ext uri="{FF2B5EF4-FFF2-40B4-BE49-F238E27FC236}">
-                      <a16:creationId xmlns:a16="http://schemas.microsoft.com/office/drawing/2014/main" id="{EE6E73A0-EF37-455B-81DE-2C5DA8AC04E3}"/>
-                    </a:ext>
-                  </a:extLst>
-                </p:cNvPr>
-                <p:cNvSpPr txBox="1"/>
-                <p:nvPr/>
-              </p:nvSpPr>
-              <p:spPr>
-                <a:xfrm>
-                  <a:off x="4746616" y="562669"/>
-                  <a:ext cx="170368" cy="215444"/>
-                </a:xfrm>
-                <a:prstGeom prst="rect">
-                  <a:avLst/>
-                </a:prstGeom>
-                <a:noFill/>
-              </p:spPr>
-              <p:txBody>
-                <a:bodyPr wrap="none" lIns="0" tIns="0" rIns="0" bIns="0" rtlCol="0">
-                  <a:spAutoFit/>
-                </a:bodyPr>
-                <a:lstStyle/>
-                <a:p>
-                  <a:pPr/>
-                  <a14:m>
-                    <m:oMathPara xmlns:m="http://schemas.openxmlformats.org/officeDocument/2006/math">
-                      <m:oMathParaPr>
-                        <m:jc m:val="centerGroup"/>
-                      </m:oMathParaPr>
-                      <m:oMath xmlns:m="http://schemas.openxmlformats.org/officeDocument/2006/math">
-                        <m:r>
-                          <a:rPr lang="fr-FR" sz="1400" b="0" i="1" smtClean="0">
-                            <a:latin typeface="Cambria Math" panose="02040503050406030204" pitchFamily="18" charset="0"/>
-                          </a:rPr>
-                          <m:t>𝐷</m:t>
-                        </m:r>
-                      </m:oMath>
-                    </m:oMathPara>
-                  </a14:m>
-                  <a:endParaRPr lang="fr-FR" sz="1400" dirty="0"/>
-                </a:p>
-              </p:txBody>
-            </p:sp>
-          </mc:Choice>
-          <mc:Fallback xmlns="">
-            <p:sp>
-              <p:nvSpPr>
-                <p:cNvPr id="45" name="ZoneTexte 44">
-                  <a:extLst>
-                    <a:ext uri="{FF2B5EF4-FFF2-40B4-BE49-F238E27FC236}">
-                      <a16:creationId xmlns:a16="http://schemas.microsoft.com/office/drawing/2014/main" id="{EE6E73A0-EF37-455B-81DE-2C5DA8AC04E3}"/>
-                    </a:ext>
-                  </a:extLst>
-                </p:cNvPr>
-                <p:cNvSpPr txBox="1">
-                  <a:spLocks noRot="1" noChangeAspect="1" noMove="1" noResize="1" noEditPoints="1" noAdjustHandles="1" noChangeArrowheads="1" noChangeShapeType="1" noTextEdit="1"/>
-                </p:cNvSpPr>
-                <p:nvPr/>
-              </p:nvSpPr>
-              <p:spPr>
-                <a:xfrm>
-                  <a:off x="4746616" y="562669"/>
-                  <a:ext cx="170368" cy="215444"/>
-                </a:xfrm>
-                <a:prstGeom prst="rect">
-                  <a:avLst/>
-                </a:prstGeom>
-                <a:blipFill>
-                  <a:blip r:embed="rId6"/>
-                  <a:stretch>
-                    <a:fillRect l="-25000" r="-17857" b="-2778"/>
-                  </a:stretch>
-                </a:blipFill>
-              </p:spPr>
-              <p:txBody>
-                <a:bodyPr/>
-                <a:lstStyle/>
-                <a:p>
-                  <a:r>
-                    <a:rPr lang="fr-FR">
-                      <a:noFill/>
-                    </a:rPr>
-                    <a:t> </a:t>
-                  </a:r>
-                </a:p>
-              </p:txBody>
-            </p:sp>
-          </mc:Fallback>
-        </mc:AlternateContent>
       </p:grpSp>
-      <p:sp>
-        <p:nvSpPr>
-          <p:cNvPr id="49" name="Ellipse 48">
-            <a:extLst>
-              <a:ext uri="{FF2B5EF4-FFF2-40B4-BE49-F238E27FC236}">
-                <a16:creationId xmlns:a16="http://schemas.microsoft.com/office/drawing/2014/main" id="{9B758CC9-9EA5-431F-9983-B4EC544C8600}"/>
-              </a:ext>
-            </a:extLst>
-          </p:cNvPr>
-          <p:cNvSpPr/>
-          <p:nvPr/>
-        </p:nvSpPr>
-        <p:spPr>
-          <a:xfrm>
-            <a:off x="2113936" y="3058067"/>
-            <a:ext cx="288032" cy="288032"/>
-          </a:xfrm>
-          <a:prstGeom prst="ellipse">
-            <a:avLst/>
-          </a:prstGeom>
-          <a:solidFill>
-            <a:schemeClr val="bg1"/>
-          </a:solidFill>
-          <a:ln>
-            <a:solidFill>
-              <a:schemeClr val="tx1"/>
-            </a:solidFill>
-          </a:ln>
-        </p:spPr>
-        <p:style>
-          <a:lnRef idx="2">
-            <a:schemeClr val="accent1">
-              <a:shade val="50000"/>
-            </a:schemeClr>
-          </a:lnRef>
-          <a:fillRef idx="1">
-            <a:schemeClr val="accent1"/>
-          </a:fillRef>
-          <a:effectRef idx="0">
-            <a:schemeClr val="accent1"/>
-          </a:effectRef>
-          <a:fontRef idx="minor">
-            <a:schemeClr val="lt1"/>
-          </a:fontRef>
-        </p:style>
-        <p:txBody>
-          <a:bodyPr rtlCol="0" anchor="ctr"/>
-          <a:lstStyle/>
-          <a:p>
-            <a:pPr algn="ctr"/>
-            <a:r>
-              <a:rPr lang="fr-FR" sz="1600" b="1" dirty="0">
-                <a:ln w="28575">
-                  <a:noFill/>
-                </a:ln>
-                <a:solidFill>
-                  <a:sysClr val="windowText" lastClr="000000"/>
-                </a:solidFill>
-              </a:rPr>
-              <a:t>0</a:t>
-            </a:r>
-          </a:p>
-        </p:txBody>
-      </p:sp>
-      <p:sp>
-        <p:nvSpPr>
-          <p:cNvPr id="50" name="Ellipse 49">
-            <a:extLst>
-              <a:ext uri="{FF2B5EF4-FFF2-40B4-BE49-F238E27FC236}">
-                <a16:creationId xmlns:a16="http://schemas.microsoft.com/office/drawing/2014/main" id="{21960DE9-AD7E-4AB7-8D12-146F75A56E07}"/>
-              </a:ext>
-            </a:extLst>
-          </p:cNvPr>
-          <p:cNvSpPr/>
-          <p:nvPr/>
-        </p:nvSpPr>
-        <p:spPr>
-          <a:xfrm>
-            <a:off x="4600222" y="4102092"/>
-            <a:ext cx="288032" cy="288032"/>
-          </a:xfrm>
-          <a:prstGeom prst="ellipse">
-            <a:avLst/>
-          </a:prstGeom>
-          <a:solidFill>
-            <a:schemeClr val="bg1"/>
-          </a:solidFill>
-          <a:ln>
-            <a:solidFill>
-              <a:srgbClr val="7030A0"/>
-            </a:solidFill>
-          </a:ln>
-        </p:spPr>
-        <p:style>
-          <a:lnRef idx="2">
-            <a:schemeClr val="accent1">
-              <a:shade val="50000"/>
-            </a:schemeClr>
-          </a:lnRef>
-          <a:fillRef idx="1">
-            <a:schemeClr val="accent1"/>
-          </a:fillRef>
-          <a:effectRef idx="0">
-            <a:schemeClr val="accent1"/>
-          </a:effectRef>
-          <a:fontRef idx="minor">
-            <a:schemeClr val="lt1"/>
-          </a:fontRef>
-        </p:style>
-        <p:txBody>
-          <a:bodyPr rtlCol="0" anchor="ctr"/>
-          <a:lstStyle/>
-          <a:p>
-            <a:pPr algn="ctr"/>
-            <a:r>
-              <a:rPr lang="fr-FR" sz="1600" b="1" dirty="0">
-                <a:ln w="28575">
-                  <a:noFill/>
-                </a:ln>
-                <a:solidFill>
-                  <a:srgbClr val="7030A0"/>
-                </a:solidFill>
-              </a:rPr>
-              <a:t>1</a:t>
-            </a:r>
-          </a:p>
-        </p:txBody>
-      </p:sp>
-      <p:sp>
-        <p:nvSpPr>
-          <p:cNvPr id="51" name="Ellipse 50">
-            <a:extLst>
-              <a:ext uri="{FF2B5EF4-FFF2-40B4-BE49-F238E27FC236}">
-                <a16:creationId xmlns:a16="http://schemas.microsoft.com/office/drawing/2014/main" id="{1D0723B3-8E9D-4079-8A55-F06E75EE2806}"/>
-              </a:ext>
-            </a:extLst>
-          </p:cNvPr>
-          <p:cNvSpPr/>
-          <p:nvPr/>
-        </p:nvSpPr>
-        <p:spPr>
-          <a:xfrm>
-            <a:off x="3155840" y="2824671"/>
-            <a:ext cx="288032" cy="288032"/>
-          </a:xfrm>
-          <a:prstGeom prst="ellipse">
-            <a:avLst/>
-          </a:prstGeom>
-          <a:solidFill>
-            <a:schemeClr val="bg1"/>
-          </a:solidFill>
-          <a:ln>
-            <a:solidFill>
-              <a:srgbClr val="C00000"/>
-            </a:solidFill>
-          </a:ln>
-        </p:spPr>
-        <p:style>
-          <a:lnRef idx="2">
-            <a:schemeClr val="accent1">
-              <a:shade val="50000"/>
-            </a:schemeClr>
-          </a:lnRef>
-          <a:fillRef idx="1">
-            <a:schemeClr val="accent1"/>
-          </a:fillRef>
-          <a:effectRef idx="0">
-            <a:schemeClr val="accent1"/>
-          </a:effectRef>
-          <a:fontRef idx="minor">
-            <a:schemeClr val="lt1"/>
-          </a:fontRef>
-        </p:style>
-        <p:txBody>
-          <a:bodyPr rtlCol="0" anchor="ctr"/>
-          <a:lstStyle/>
-          <a:p>
-            <a:pPr algn="ctr"/>
-            <a:r>
-              <a:rPr lang="fr-FR" sz="1600" b="1" dirty="0">
-                <a:ln w="28575">
-                  <a:noFill/>
-                </a:ln>
-                <a:solidFill>
-                  <a:srgbClr val="C00000"/>
-                </a:solidFill>
-              </a:rPr>
-              <a:t>2</a:t>
-            </a:r>
-          </a:p>
-        </p:txBody>
-      </p:sp>
     </p:spTree>
     <p:extLst>
       <p:ext uri="{BB962C8B-B14F-4D97-AF65-F5344CB8AC3E}">
@@ -7746,8 +7954,8 @@
           </p:sp>
         </mc:Fallback>
       </mc:AlternateContent>
-      <mc:AlternateContent xmlns:mc="http://schemas.openxmlformats.org/markup-compatibility/2006">
-        <mc:Choice xmlns:a14="http://schemas.microsoft.com/office/drawing/2010/main" Requires="a14">
+      <mc:AlternateContent xmlns:mc="http://schemas.openxmlformats.org/markup-compatibility/2006" xmlns:a14="http://schemas.microsoft.com/office/drawing/2010/main">
+        <mc:Choice Requires="a14">
           <p:sp>
             <p:nvSpPr>
               <p:cNvPr id="20" name="ZoneTexte 19">
@@ -7797,7 +8005,7 @@
             </p:txBody>
           </p:sp>
         </mc:Choice>
-        <mc:Fallback>
+        <mc:Fallback xmlns="">
           <p:sp>
             <p:nvSpPr>
               <p:cNvPr id="20" name="ZoneTexte 19">
